--- a/com.yash.tcvm/target/classes/TCVM.pptx
+++ b/com.yash.tcvm/target/classes/TCVM.pptx
@@ -134,7 +134,7 @@
           <p:cNvPr id="2" name="Title 1">
             <a:extLst>
               <a:ext uri="{FF2B5EF4-FFF2-40B4-BE49-F238E27FC236}">
-                <a16:creationId xmlns:a16="http://schemas.microsoft.com/office/drawing/2014/main" xmlns="" id="{A24B81AC-F1AB-4856-AA51-2D9C5A1AFB02}"/>
+                <a16:creationId xmlns="" xmlns:a16="http://schemas.microsoft.com/office/drawing/2014/main" id="{A24B81AC-F1AB-4856-AA51-2D9C5A1AFB02}"/>
               </a:ext>
             </a:extLst>
           </p:cNvPr>
@@ -172,7 +172,7 @@
           <p:cNvPr id="3" name="Subtitle 2">
             <a:extLst>
               <a:ext uri="{FF2B5EF4-FFF2-40B4-BE49-F238E27FC236}">
-                <a16:creationId xmlns:a16="http://schemas.microsoft.com/office/drawing/2014/main" xmlns="" id="{C73BD30F-84FE-4D0D-A820-D918118295DF}"/>
+                <a16:creationId xmlns="" xmlns:a16="http://schemas.microsoft.com/office/drawing/2014/main" id="{C73BD30F-84FE-4D0D-A820-D918118295DF}"/>
               </a:ext>
             </a:extLst>
           </p:cNvPr>
@@ -243,7 +243,7 @@
           <p:cNvPr id="4" name="Date Placeholder 3">
             <a:extLst>
               <a:ext uri="{FF2B5EF4-FFF2-40B4-BE49-F238E27FC236}">
-                <a16:creationId xmlns:a16="http://schemas.microsoft.com/office/drawing/2014/main" xmlns="" id="{1DD9067D-57DF-43DD-B62F-03A63EB25666}"/>
+                <a16:creationId xmlns="" xmlns:a16="http://schemas.microsoft.com/office/drawing/2014/main" id="{1DD9067D-57DF-43DD-B62F-03A63EB25666}"/>
               </a:ext>
             </a:extLst>
           </p:cNvPr>
@@ -261,7 +261,7 @@
           <a:p>
             <a:fld id="{97F021AD-41EF-4489-B91E-49FA2D7EA164}" type="datetimeFigureOut">
               <a:rPr lang="en-IN" smtClean="0"/>
-              <a:t>28-08-2018</a:t>
+              <a:t>29-08-2018</a:t>
             </a:fld>
             <a:endParaRPr lang="en-IN"/>
           </a:p>
@@ -272,7 +272,7 @@
           <p:cNvPr id="5" name="Footer Placeholder 4">
             <a:extLst>
               <a:ext uri="{FF2B5EF4-FFF2-40B4-BE49-F238E27FC236}">
-                <a16:creationId xmlns:a16="http://schemas.microsoft.com/office/drawing/2014/main" xmlns="" id="{5A71D964-C597-4BD1-944A-2AC03FCE7CCA}"/>
+                <a16:creationId xmlns="" xmlns:a16="http://schemas.microsoft.com/office/drawing/2014/main" id="{5A71D964-C597-4BD1-944A-2AC03FCE7CCA}"/>
               </a:ext>
             </a:extLst>
           </p:cNvPr>
@@ -297,7 +297,7 @@
           <p:cNvPr id="6" name="Slide Number Placeholder 5">
             <a:extLst>
               <a:ext uri="{FF2B5EF4-FFF2-40B4-BE49-F238E27FC236}">
-                <a16:creationId xmlns:a16="http://schemas.microsoft.com/office/drawing/2014/main" xmlns="" id="{CEF3FF92-079F-49E0-A069-E4648977B7EB}"/>
+                <a16:creationId xmlns="" xmlns:a16="http://schemas.microsoft.com/office/drawing/2014/main" id="{CEF3FF92-079F-49E0-A069-E4648977B7EB}"/>
               </a:ext>
             </a:extLst>
           </p:cNvPr>
@@ -356,7 +356,7 @@
           <p:cNvPr id="2" name="Title 1">
             <a:extLst>
               <a:ext uri="{FF2B5EF4-FFF2-40B4-BE49-F238E27FC236}">
-                <a16:creationId xmlns:a16="http://schemas.microsoft.com/office/drawing/2014/main" xmlns="" id="{2900878F-924E-452A-8664-05FADA8AF94A}"/>
+                <a16:creationId xmlns="" xmlns:a16="http://schemas.microsoft.com/office/drawing/2014/main" id="{2900878F-924E-452A-8664-05FADA8AF94A}"/>
               </a:ext>
             </a:extLst>
           </p:cNvPr>
@@ -385,7 +385,7 @@
           <p:cNvPr id="3" name="Vertical Text Placeholder 2">
             <a:extLst>
               <a:ext uri="{FF2B5EF4-FFF2-40B4-BE49-F238E27FC236}">
-                <a16:creationId xmlns:a16="http://schemas.microsoft.com/office/drawing/2014/main" xmlns="" id="{C9E848C5-4310-4CC9-BECB-551BD5A39371}"/>
+                <a16:creationId xmlns="" xmlns:a16="http://schemas.microsoft.com/office/drawing/2014/main" id="{C9E848C5-4310-4CC9-BECB-551BD5A39371}"/>
               </a:ext>
             </a:extLst>
           </p:cNvPr>
@@ -443,7 +443,7 @@
           <p:cNvPr id="4" name="Date Placeholder 3">
             <a:extLst>
               <a:ext uri="{FF2B5EF4-FFF2-40B4-BE49-F238E27FC236}">
-                <a16:creationId xmlns:a16="http://schemas.microsoft.com/office/drawing/2014/main" xmlns="" id="{766E2C28-BAF1-4B82-B4C2-26A0E1CAE1C1}"/>
+                <a16:creationId xmlns="" xmlns:a16="http://schemas.microsoft.com/office/drawing/2014/main" id="{766E2C28-BAF1-4B82-B4C2-26A0E1CAE1C1}"/>
               </a:ext>
             </a:extLst>
           </p:cNvPr>
@@ -461,7 +461,7 @@
           <a:p>
             <a:fld id="{97F021AD-41EF-4489-B91E-49FA2D7EA164}" type="datetimeFigureOut">
               <a:rPr lang="en-IN" smtClean="0"/>
-              <a:t>28-08-2018</a:t>
+              <a:t>29-08-2018</a:t>
             </a:fld>
             <a:endParaRPr lang="en-IN"/>
           </a:p>
@@ -472,7 +472,7 @@
           <p:cNvPr id="5" name="Footer Placeholder 4">
             <a:extLst>
               <a:ext uri="{FF2B5EF4-FFF2-40B4-BE49-F238E27FC236}">
-                <a16:creationId xmlns:a16="http://schemas.microsoft.com/office/drawing/2014/main" xmlns="" id="{6E92AE1C-A934-4798-B277-274E871D4D30}"/>
+                <a16:creationId xmlns="" xmlns:a16="http://schemas.microsoft.com/office/drawing/2014/main" id="{6E92AE1C-A934-4798-B277-274E871D4D30}"/>
               </a:ext>
             </a:extLst>
           </p:cNvPr>
@@ -497,7 +497,7 @@
           <p:cNvPr id="6" name="Slide Number Placeholder 5">
             <a:extLst>
               <a:ext uri="{FF2B5EF4-FFF2-40B4-BE49-F238E27FC236}">
-                <a16:creationId xmlns:a16="http://schemas.microsoft.com/office/drawing/2014/main" xmlns="" id="{A4816302-2882-43DA-9FA3-6077BBB773ED}"/>
+                <a16:creationId xmlns="" xmlns:a16="http://schemas.microsoft.com/office/drawing/2014/main" id="{A4816302-2882-43DA-9FA3-6077BBB773ED}"/>
               </a:ext>
             </a:extLst>
           </p:cNvPr>
@@ -556,7 +556,7 @@
           <p:cNvPr id="2" name="Vertical Title 1">
             <a:extLst>
               <a:ext uri="{FF2B5EF4-FFF2-40B4-BE49-F238E27FC236}">
-                <a16:creationId xmlns:a16="http://schemas.microsoft.com/office/drawing/2014/main" xmlns="" id="{CB7AE333-0934-4ED3-9ACE-D44CC4922E58}"/>
+                <a16:creationId xmlns="" xmlns:a16="http://schemas.microsoft.com/office/drawing/2014/main" id="{CB7AE333-0934-4ED3-9ACE-D44CC4922E58}"/>
               </a:ext>
             </a:extLst>
           </p:cNvPr>
@@ -590,7 +590,7 @@
           <p:cNvPr id="3" name="Vertical Text Placeholder 2">
             <a:extLst>
               <a:ext uri="{FF2B5EF4-FFF2-40B4-BE49-F238E27FC236}">
-                <a16:creationId xmlns:a16="http://schemas.microsoft.com/office/drawing/2014/main" xmlns="" id="{C7A6DBE5-C1BF-4C9A-A2F2-F25EFEAA8910}"/>
+                <a16:creationId xmlns="" xmlns:a16="http://schemas.microsoft.com/office/drawing/2014/main" id="{C7A6DBE5-C1BF-4C9A-A2F2-F25EFEAA8910}"/>
               </a:ext>
             </a:extLst>
           </p:cNvPr>
@@ -653,7 +653,7 @@
           <p:cNvPr id="4" name="Date Placeholder 3">
             <a:extLst>
               <a:ext uri="{FF2B5EF4-FFF2-40B4-BE49-F238E27FC236}">
-                <a16:creationId xmlns:a16="http://schemas.microsoft.com/office/drawing/2014/main" xmlns="" id="{DF747DDB-58D8-450C-B75E-889D7E5988E2}"/>
+                <a16:creationId xmlns="" xmlns:a16="http://schemas.microsoft.com/office/drawing/2014/main" id="{DF747DDB-58D8-450C-B75E-889D7E5988E2}"/>
               </a:ext>
             </a:extLst>
           </p:cNvPr>
@@ -671,7 +671,7 @@
           <a:p>
             <a:fld id="{97F021AD-41EF-4489-B91E-49FA2D7EA164}" type="datetimeFigureOut">
               <a:rPr lang="en-IN" smtClean="0"/>
-              <a:t>28-08-2018</a:t>
+              <a:t>29-08-2018</a:t>
             </a:fld>
             <a:endParaRPr lang="en-IN"/>
           </a:p>
@@ -682,7 +682,7 @@
           <p:cNvPr id="5" name="Footer Placeholder 4">
             <a:extLst>
               <a:ext uri="{FF2B5EF4-FFF2-40B4-BE49-F238E27FC236}">
-                <a16:creationId xmlns:a16="http://schemas.microsoft.com/office/drawing/2014/main" xmlns="" id="{02B76614-6E35-4386-AB5F-AAC5C24E046C}"/>
+                <a16:creationId xmlns="" xmlns:a16="http://schemas.microsoft.com/office/drawing/2014/main" id="{02B76614-6E35-4386-AB5F-AAC5C24E046C}"/>
               </a:ext>
             </a:extLst>
           </p:cNvPr>
@@ -707,7 +707,7 @@
           <p:cNvPr id="6" name="Slide Number Placeholder 5">
             <a:extLst>
               <a:ext uri="{FF2B5EF4-FFF2-40B4-BE49-F238E27FC236}">
-                <a16:creationId xmlns:a16="http://schemas.microsoft.com/office/drawing/2014/main" xmlns="" id="{781D15CE-F43A-4779-9967-3A0F94F83988}"/>
+                <a16:creationId xmlns="" xmlns:a16="http://schemas.microsoft.com/office/drawing/2014/main" id="{781D15CE-F43A-4779-9967-3A0F94F83988}"/>
               </a:ext>
             </a:extLst>
           </p:cNvPr>
@@ -766,7 +766,7 @@
           <p:cNvPr id="2" name="Title 1">
             <a:extLst>
               <a:ext uri="{FF2B5EF4-FFF2-40B4-BE49-F238E27FC236}">
-                <a16:creationId xmlns:a16="http://schemas.microsoft.com/office/drawing/2014/main" xmlns="" id="{07A068A7-826C-4494-A388-FB19369F926F}"/>
+                <a16:creationId xmlns="" xmlns:a16="http://schemas.microsoft.com/office/drawing/2014/main" id="{07A068A7-826C-4494-A388-FB19369F926F}"/>
               </a:ext>
             </a:extLst>
           </p:cNvPr>
@@ -795,7 +795,7 @@
           <p:cNvPr id="3" name="Content Placeholder 2">
             <a:extLst>
               <a:ext uri="{FF2B5EF4-FFF2-40B4-BE49-F238E27FC236}">
-                <a16:creationId xmlns:a16="http://schemas.microsoft.com/office/drawing/2014/main" xmlns="" id="{507979C5-37B8-4103-B9F5-54044CDA6A09}"/>
+                <a16:creationId xmlns="" xmlns:a16="http://schemas.microsoft.com/office/drawing/2014/main" id="{507979C5-37B8-4103-B9F5-54044CDA6A09}"/>
               </a:ext>
             </a:extLst>
           </p:cNvPr>
@@ -853,7 +853,7 @@
           <p:cNvPr id="4" name="Date Placeholder 3">
             <a:extLst>
               <a:ext uri="{FF2B5EF4-FFF2-40B4-BE49-F238E27FC236}">
-                <a16:creationId xmlns:a16="http://schemas.microsoft.com/office/drawing/2014/main" xmlns="" id="{8A7FF86A-63DC-4BDC-A5D5-9A41374473B4}"/>
+                <a16:creationId xmlns="" xmlns:a16="http://schemas.microsoft.com/office/drawing/2014/main" id="{8A7FF86A-63DC-4BDC-A5D5-9A41374473B4}"/>
               </a:ext>
             </a:extLst>
           </p:cNvPr>
@@ -871,7 +871,7 @@
           <a:p>
             <a:fld id="{97F021AD-41EF-4489-B91E-49FA2D7EA164}" type="datetimeFigureOut">
               <a:rPr lang="en-IN" smtClean="0"/>
-              <a:t>28-08-2018</a:t>
+              <a:t>29-08-2018</a:t>
             </a:fld>
             <a:endParaRPr lang="en-IN"/>
           </a:p>
@@ -882,7 +882,7 @@
           <p:cNvPr id="5" name="Footer Placeholder 4">
             <a:extLst>
               <a:ext uri="{FF2B5EF4-FFF2-40B4-BE49-F238E27FC236}">
-                <a16:creationId xmlns:a16="http://schemas.microsoft.com/office/drawing/2014/main" xmlns="" id="{A1CDC055-E63E-4987-B422-E83878A0B63A}"/>
+                <a16:creationId xmlns="" xmlns:a16="http://schemas.microsoft.com/office/drawing/2014/main" id="{A1CDC055-E63E-4987-B422-E83878A0B63A}"/>
               </a:ext>
             </a:extLst>
           </p:cNvPr>
@@ -907,7 +907,7 @@
           <p:cNvPr id="6" name="Slide Number Placeholder 5">
             <a:extLst>
               <a:ext uri="{FF2B5EF4-FFF2-40B4-BE49-F238E27FC236}">
-                <a16:creationId xmlns:a16="http://schemas.microsoft.com/office/drawing/2014/main" xmlns="" id="{2BC93220-8057-436C-A442-2481FA92C74F}"/>
+                <a16:creationId xmlns="" xmlns:a16="http://schemas.microsoft.com/office/drawing/2014/main" id="{2BC93220-8057-436C-A442-2481FA92C74F}"/>
               </a:ext>
             </a:extLst>
           </p:cNvPr>
@@ -966,7 +966,7 @@
           <p:cNvPr id="2" name="Title 1">
             <a:extLst>
               <a:ext uri="{FF2B5EF4-FFF2-40B4-BE49-F238E27FC236}">
-                <a16:creationId xmlns:a16="http://schemas.microsoft.com/office/drawing/2014/main" xmlns="" id="{B2D2432E-5E6F-495D-8988-1BE65176F0B9}"/>
+                <a16:creationId xmlns="" xmlns:a16="http://schemas.microsoft.com/office/drawing/2014/main" id="{B2D2432E-5E6F-495D-8988-1BE65176F0B9}"/>
               </a:ext>
             </a:extLst>
           </p:cNvPr>
@@ -1004,7 +1004,7 @@
           <p:cNvPr id="3" name="Text Placeholder 2">
             <a:extLst>
               <a:ext uri="{FF2B5EF4-FFF2-40B4-BE49-F238E27FC236}">
-                <a16:creationId xmlns:a16="http://schemas.microsoft.com/office/drawing/2014/main" xmlns="" id="{64C28DE4-000B-44F9-902F-6E5DAF6B7123}"/>
+                <a16:creationId xmlns="" xmlns:a16="http://schemas.microsoft.com/office/drawing/2014/main" id="{64C28DE4-000B-44F9-902F-6E5DAF6B7123}"/>
               </a:ext>
             </a:extLst>
           </p:cNvPr>
@@ -1129,7 +1129,7 @@
           <p:cNvPr id="4" name="Date Placeholder 3">
             <a:extLst>
               <a:ext uri="{FF2B5EF4-FFF2-40B4-BE49-F238E27FC236}">
-                <a16:creationId xmlns:a16="http://schemas.microsoft.com/office/drawing/2014/main" xmlns="" id="{61DB1EAF-9950-4DAF-8D4A-29387DD1418B}"/>
+                <a16:creationId xmlns="" xmlns:a16="http://schemas.microsoft.com/office/drawing/2014/main" id="{61DB1EAF-9950-4DAF-8D4A-29387DD1418B}"/>
               </a:ext>
             </a:extLst>
           </p:cNvPr>
@@ -1147,7 +1147,7 @@
           <a:p>
             <a:fld id="{97F021AD-41EF-4489-B91E-49FA2D7EA164}" type="datetimeFigureOut">
               <a:rPr lang="en-IN" smtClean="0"/>
-              <a:t>28-08-2018</a:t>
+              <a:t>29-08-2018</a:t>
             </a:fld>
             <a:endParaRPr lang="en-IN"/>
           </a:p>
@@ -1158,7 +1158,7 @@
           <p:cNvPr id="5" name="Footer Placeholder 4">
             <a:extLst>
               <a:ext uri="{FF2B5EF4-FFF2-40B4-BE49-F238E27FC236}">
-                <a16:creationId xmlns:a16="http://schemas.microsoft.com/office/drawing/2014/main" xmlns="" id="{4F7782D1-A2B0-46B3-A2F1-BDDA3433F3E2}"/>
+                <a16:creationId xmlns="" xmlns:a16="http://schemas.microsoft.com/office/drawing/2014/main" id="{4F7782D1-A2B0-46B3-A2F1-BDDA3433F3E2}"/>
               </a:ext>
             </a:extLst>
           </p:cNvPr>
@@ -1183,7 +1183,7 @@
           <p:cNvPr id="6" name="Slide Number Placeholder 5">
             <a:extLst>
               <a:ext uri="{FF2B5EF4-FFF2-40B4-BE49-F238E27FC236}">
-                <a16:creationId xmlns:a16="http://schemas.microsoft.com/office/drawing/2014/main" xmlns="" id="{20A7ACF3-44D2-490A-9320-8A35FDDD6870}"/>
+                <a16:creationId xmlns="" xmlns:a16="http://schemas.microsoft.com/office/drawing/2014/main" id="{20A7ACF3-44D2-490A-9320-8A35FDDD6870}"/>
               </a:ext>
             </a:extLst>
           </p:cNvPr>
@@ -1242,7 +1242,7 @@
           <p:cNvPr id="2" name="Title 1">
             <a:extLst>
               <a:ext uri="{FF2B5EF4-FFF2-40B4-BE49-F238E27FC236}">
-                <a16:creationId xmlns:a16="http://schemas.microsoft.com/office/drawing/2014/main" xmlns="" id="{315DA875-A92B-4031-898C-C1C06C95762A}"/>
+                <a16:creationId xmlns="" xmlns:a16="http://schemas.microsoft.com/office/drawing/2014/main" id="{315DA875-A92B-4031-898C-C1C06C95762A}"/>
               </a:ext>
             </a:extLst>
           </p:cNvPr>
@@ -1271,7 +1271,7 @@
           <p:cNvPr id="3" name="Content Placeholder 2">
             <a:extLst>
               <a:ext uri="{FF2B5EF4-FFF2-40B4-BE49-F238E27FC236}">
-                <a16:creationId xmlns:a16="http://schemas.microsoft.com/office/drawing/2014/main" xmlns="" id="{CA397C60-F25B-495D-B6B3-D1DF3A0DD58A}"/>
+                <a16:creationId xmlns="" xmlns:a16="http://schemas.microsoft.com/office/drawing/2014/main" id="{CA397C60-F25B-495D-B6B3-D1DF3A0DD58A}"/>
               </a:ext>
             </a:extLst>
           </p:cNvPr>
@@ -1334,7 +1334,7 @@
           <p:cNvPr id="4" name="Content Placeholder 3">
             <a:extLst>
               <a:ext uri="{FF2B5EF4-FFF2-40B4-BE49-F238E27FC236}">
-                <a16:creationId xmlns:a16="http://schemas.microsoft.com/office/drawing/2014/main" xmlns="" id="{6DB73425-B39A-43B9-B227-53C8EF0DB359}"/>
+                <a16:creationId xmlns="" xmlns:a16="http://schemas.microsoft.com/office/drawing/2014/main" id="{6DB73425-B39A-43B9-B227-53C8EF0DB359}"/>
               </a:ext>
             </a:extLst>
           </p:cNvPr>
@@ -1397,7 +1397,7 @@
           <p:cNvPr id="5" name="Date Placeholder 4">
             <a:extLst>
               <a:ext uri="{FF2B5EF4-FFF2-40B4-BE49-F238E27FC236}">
-                <a16:creationId xmlns:a16="http://schemas.microsoft.com/office/drawing/2014/main" xmlns="" id="{34B958FC-EFB5-42F3-8374-E2E56701999F}"/>
+                <a16:creationId xmlns="" xmlns:a16="http://schemas.microsoft.com/office/drawing/2014/main" id="{34B958FC-EFB5-42F3-8374-E2E56701999F}"/>
               </a:ext>
             </a:extLst>
           </p:cNvPr>
@@ -1415,7 +1415,7 @@
           <a:p>
             <a:fld id="{97F021AD-41EF-4489-B91E-49FA2D7EA164}" type="datetimeFigureOut">
               <a:rPr lang="en-IN" smtClean="0"/>
-              <a:t>28-08-2018</a:t>
+              <a:t>29-08-2018</a:t>
             </a:fld>
             <a:endParaRPr lang="en-IN"/>
           </a:p>
@@ -1426,7 +1426,7 @@
           <p:cNvPr id="6" name="Footer Placeholder 5">
             <a:extLst>
               <a:ext uri="{FF2B5EF4-FFF2-40B4-BE49-F238E27FC236}">
-                <a16:creationId xmlns:a16="http://schemas.microsoft.com/office/drawing/2014/main" xmlns="" id="{4C7BDCDD-7816-4E34-A2E2-73052A4FEAEB}"/>
+                <a16:creationId xmlns="" xmlns:a16="http://schemas.microsoft.com/office/drawing/2014/main" id="{4C7BDCDD-7816-4E34-A2E2-73052A4FEAEB}"/>
               </a:ext>
             </a:extLst>
           </p:cNvPr>
@@ -1451,7 +1451,7 @@
           <p:cNvPr id="7" name="Slide Number Placeholder 6">
             <a:extLst>
               <a:ext uri="{FF2B5EF4-FFF2-40B4-BE49-F238E27FC236}">
-                <a16:creationId xmlns:a16="http://schemas.microsoft.com/office/drawing/2014/main" xmlns="" id="{23176040-7B9C-40C2-B416-25772553949E}"/>
+                <a16:creationId xmlns="" xmlns:a16="http://schemas.microsoft.com/office/drawing/2014/main" id="{23176040-7B9C-40C2-B416-25772553949E}"/>
               </a:ext>
             </a:extLst>
           </p:cNvPr>
@@ -1510,7 +1510,7 @@
           <p:cNvPr id="2" name="Title 1">
             <a:extLst>
               <a:ext uri="{FF2B5EF4-FFF2-40B4-BE49-F238E27FC236}">
-                <a16:creationId xmlns:a16="http://schemas.microsoft.com/office/drawing/2014/main" xmlns="" id="{FBDEB458-4A44-4F47-9EBF-9A936174793D}"/>
+                <a16:creationId xmlns="" xmlns:a16="http://schemas.microsoft.com/office/drawing/2014/main" id="{FBDEB458-4A44-4F47-9EBF-9A936174793D}"/>
               </a:ext>
             </a:extLst>
           </p:cNvPr>
@@ -1544,7 +1544,7 @@
           <p:cNvPr id="3" name="Text Placeholder 2">
             <a:extLst>
               <a:ext uri="{FF2B5EF4-FFF2-40B4-BE49-F238E27FC236}">
-                <a16:creationId xmlns:a16="http://schemas.microsoft.com/office/drawing/2014/main" xmlns="" id="{92EB117B-47D4-4019-9945-865BD1F2771C}"/>
+                <a16:creationId xmlns="" xmlns:a16="http://schemas.microsoft.com/office/drawing/2014/main" id="{92EB117B-47D4-4019-9945-865BD1F2771C}"/>
               </a:ext>
             </a:extLst>
           </p:cNvPr>
@@ -1615,7 +1615,7 @@
           <p:cNvPr id="4" name="Content Placeholder 3">
             <a:extLst>
               <a:ext uri="{FF2B5EF4-FFF2-40B4-BE49-F238E27FC236}">
-                <a16:creationId xmlns:a16="http://schemas.microsoft.com/office/drawing/2014/main" xmlns="" id="{88A0146B-D962-4907-9D06-505BB0555C1A}"/>
+                <a16:creationId xmlns="" xmlns:a16="http://schemas.microsoft.com/office/drawing/2014/main" id="{88A0146B-D962-4907-9D06-505BB0555C1A}"/>
               </a:ext>
             </a:extLst>
           </p:cNvPr>
@@ -1678,7 +1678,7 @@
           <p:cNvPr id="5" name="Text Placeholder 4">
             <a:extLst>
               <a:ext uri="{FF2B5EF4-FFF2-40B4-BE49-F238E27FC236}">
-                <a16:creationId xmlns:a16="http://schemas.microsoft.com/office/drawing/2014/main" xmlns="" id="{45C072AA-7D54-497C-9532-C76566DB3FE2}"/>
+                <a16:creationId xmlns="" xmlns:a16="http://schemas.microsoft.com/office/drawing/2014/main" id="{45C072AA-7D54-497C-9532-C76566DB3FE2}"/>
               </a:ext>
             </a:extLst>
           </p:cNvPr>
@@ -1749,7 +1749,7 @@
           <p:cNvPr id="6" name="Content Placeholder 5">
             <a:extLst>
               <a:ext uri="{FF2B5EF4-FFF2-40B4-BE49-F238E27FC236}">
-                <a16:creationId xmlns:a16="http://schemas.microsoft.com/office/drawing/2014/main" xmlns="" id="{265F02ED-15DB-4FD9-BD86-3F1510CF1FE5}"/>
+                <a16:creationId xmlns="" xmlns:a16="http://schemas.microsoft.com/office/drawing/2014/main" id="{265F02ED-15DB-4FD9-BD86-3F1510CF1FE5}"/>
               </a:ext>
             </a:extLst>
           </p:cNvPr>
@@ -1812,7 +1812,7 @@
           <p:cNvPr id="7" name="Date Placeholder 6">
             <a:extLst>
               <a:ext uri="{FF2B5EF4-FFF2-40B4-BE49-F238E27FC236}">
-                <a16:creationId xmlns:a16="http://schemas.microsoft.com/office/drawing/2014/main" xmlns="" id="{4EE66C09-6C25-4C1E-9289-7B83A7BCB431}"/>
+                <a16:creationId xmlns="" xmlns:a16="http://schemas.microsoft.com/office/drawing/2014/main" id="{4EE66C09-6C25-4C1E-9289-7B83A7BCB431}"/>
               </a:ext>
             </a:extLst>
           </p:cNvPr>
@@ -1830,7 +1830,7 @@
           <a:p>
             <a:fld id="{97F021AD-41EF-4489-B91E-49FA2D7EA164}" type="datetimeFigureOut">
               <a:rPr lang="en-IN" smtClean="0"/>
-              <a:t>28-08-2018</a:t>
+              <a:t>29-08-2018</a:t>
             </a:fld>
             <a:endParaRPr lang="en-IN"/>
           </a:p>
@@ -1841,7 +1841,7 @@
           <p:cNvPr id="8" name="Footer Placeholder 7">
             <a:extLst>
               <a:ext uri="{FF2B5EF4-FFF2-40B4-BE49-F238E27FC236}">
-                <a16:creationId xmlns:a16="http://schemas.microsoft.com/office/drawing/2014/main" xmlns="" id="{FC1AF85D-D19F-4370-AC12-39DFED6B097C}"/>
+                <a16:creationId xmlns="" xmlns:a16="http://schemas.microsoft.com/office/drawing/2014/main" id="{FC1AF85D-D19F-4370-AC12-39DFED6B097C}"/>
               </a:ext>
             </a:extLst>
           </p:cNvPr>
@@ -1866,7 +1866,7 @@
           <p:cNvPr id="9" name="Slide Number Placeholder 8">
             <a:extLst>
               <a:ext uri="{FF2B5EF4-FFF2-40B4-BE49-F238E27FC236}">
-                <a16:creationId xmlns:a16="http://schemas.microsoft.com/office/drawing/2014/main" xmlns="" id="{093E603E-1279-4E50-ADC4-F2BDFF1AF42F}"/>
+                <a16:creationId xmlns="" xmlns:a16="http://schemas.microsoft.com/office/drawing/2014/main" id="{093E603E-1279-4E50-ADC4-F2BDFF1AF42F}"/>
               </a:ext>
             </a:extLst>
           </p:cNvPr>
@@ -1925,7 +1925,7 @@
           <p:cNvPr id="2" name="Title 1">
             <a:extLst>
               <a:ext uri="{FF2B5EF4-FFF2-40B4-BE49-F238E27FC236}">
-                <a16:creationId xmlns:a16="http://schemas.microsoft.com/office/drawing/2014/main" xmlns="" id="{F62B5C00-3DE5-4FBB-9860-6F94D1052651}"/>
+                <a16:creationId xmlns="" xmlns:a16="http://schemas.microsoft.com/office/drawing/2014/main" id="{F62B5C00-3DE5-4FBB-9860-6F94D1052651}"/>
               </a:ext>
             </a:extLst>
           </p:cNvPr>
@@ -1954,7 +1954,7 @@
           <p:cNvPr id="3" name="Date Placeholder 2">
             <a:extLst>
               <a:ext uri="{FF2B5EF4-FFF2-40B4-BE49-F238E27FC236}">
-                <a16:creationId xmlns:a16="http://schemas.microsoft.com/office/drawing/2014/main" xmlns="" id="{D7B7C783-6C41-4FE1-A68C-38CFFEEDFB33}"/>
+                <a16:creationId xmlns="" xmlns:a16="http://schemas.microsoft.com/office/drawing/2014/main" id="{D7B7C783-6C41-4FE1-A68C-38CFFEEDFB33}"/>
               </a:ext>
             </a:extLst>
           </p:cNvPr>
@@ -1972,7 +1972,7 @@
           <a:p>
             <a:fld id="{97F021AD-41EF-4489-B91E-49FA2D7EA164}" type="datetimeFigureOut">
               <a:rPr lang="en-IN" smtClean="0"/>
-              <a:t>28-08-2018</a:t>
+              <a:t>29-08-2018</a:t>
             </a:fld>
             <a:endParaRPr lang="en-IN"/>
           </a:p>
@@ -1983,7 +1983,7 @@
           <p:cNvPr id="4" name="Footer Placeholder 3">
             <a:extLst>
               <a:ext uri="{FF2B5EF4-FFF2-40B4-BE49-F238E27FC236}">
-                <a16:creationId xmlns:a16="http://schemas.microsoft.com/office/drawing/2014/main" xmlns="" id="{5292F404-141A-4BDA-9791-8006F997B337}"/>
+                <a16:creationId xmlns="" xmlns:a16="http://schemas.microsoft.com/office/drawing/2014/main" id="{5292F404-141A-4BDA-9791-8006F997B337}"/>
               </a:ext>
             </a:extLst>
           </p:cNvPr>
@@ -2008,7 +2008,7 @@
           <p:cNvPr id="5" name="Slide Number Placeholder 4">
             <a:extLst>
               <a:ext uri="{FF2B5EF4-FFF2-40B4-BE49-F238E27FC236}">
-                <a16:creationId xmlns:a16="http://schemas.microsoft.com/office/drawing/2014/main" xmlns="" id="{6E9EF2B6-53D9-4AAC-9EE9-F0823A7A542E}"/>
+                <a16:creationId xmlns="" xmlns:a16="http://schemas.microsoft.com/office/drawing/2014/main" id="{6E9EF2B6-53D9-4AAC-9EE9-F0823A7A542E}"/>
               </a:ext>
             </a:extLst>
           </p:cNvPr>
@@ -2067,7 +2067,7 @@
           <p:cNvPr id="2" name="Date Placeholder 1">
             <a:extLst>
               <a:ext uri="{FF2B5EF4-FFF2-40B4-BE49-F238E27FC236}">
-                <a16:creationId xmlns:a16="http://schemas.microsoft.com/office/drawing/2014/main" xmlns="" id="{5944AD28-0DE3-4160-81C0-9A2DEB44BB73}"/>
+                <a16:creationId xmlns="" xmlns:a16="http://schemas.microsoft.com/office/drawing/2014/main" id="{5944AD28-0DE3-4160-81C0-9A2DEB44BB73}"/>
               </a:ext>
             </a:extLst>
           </p:cNvPr>
@@ -2085,7 +2085,7 @@
           <a:p>
             <a:fld id="{97F021AD-41EF-4489-B91E-49FA2D7EA164}" type="datetimeFigureOut">
               <a:rPr lang="en-IN" smtClean="0"/>
-              <a:t>28-08-2018</a:t>
+              <a:t>29-08-2018</a:t>
             </a:fld>
             <a:endParaRPr lang="en-IN"/>
           </a:p>
@@ -2096,7 +2096,7 @@
           <p:cNvPr id="3" name="Footer Placeholder 2">
             <a:extLst>
               <a:ext uri="{FF2B5EF4-FFF2-40B4-BE49-F238E27FC236}">
-                <a16:creationId xmlns:a16="http://schemas.microsoft.com/office/drawing/2014/main" xmlns="" id="{62525253-93AF-42B5-B601-E269648B02A1}"/>
+                <a16:creationId xmlns="" xmlns:a16="http://schemas.microsoft.com/office/drawing/2014/main" id="{62525253-93AF-42B5-B601-E269648B02A1}"/>
               </a:ext>
             </a:extLst>
           </p:cNvPr>
@@ -2121,7 +2121,7 @@
           <p:cNvPr id="4" name="Slide Number Placeholder 3">
             <a:extLst>
               <a:ext uri="{FF2B5EF4-FFF2-40B4-BE49-F238E27FC236}">
-                <a16:creationId xmlns:a16="http://schemas.microsoft.com/office/drawing/2014/main" xmlns="" id="{783D9AA6-0259-48D3-8EBA-B060F0839F3C}"/>
+                <a16:creationId xmlns="" xmlns:a16="http://schemas.microsoft.com/office/drawing/2014/main" id="{783D9AA6-0259-48D3-8EBA-B060F0839F3C}"/>
               </a:ext>
             </a:extLst>
           </p:cNvPr>
@@ -2180,7 +2180,7 @@
           <p:cNvPr id="2" name="Title 1">
             <a:extLst>
               <a:ext uri="{FF2B5EF4-FFF2-40B4-BE49-F238E27FC236}">
-                <a16:creationId xmlns:a16="http://schemas.microsoft.com/office/drawing/2014/main" xmlns="" id="{BD29D403-4DC5-4015-A0B2-0E7DC36F3EBD}"/>
+                <a16:creationId xmlns="" xmlns:a16="http://schemas.microsoft.com/office/drawing/2014/main" id="{BD29D403-4DC5-4015-A0B2-0E7DC36F3EBD}"/>
               </a:ext>
             </a:extLst>
           </p:cNvPr>
@@ -2218,7 +2218,7 @@
           <p:cNvPr id="3" name="Content Placeholder 2">
             <a:extLst>
               <a:ext uri="{FF2B5EF4-FFF2-40B4-BE49-F238E27FC236}">
-                <a16:creationId xmlns:a16="http://schemas.microsoft.com/office/drawing/2014/main" xmlns="" id="{435C570D-44A7-41A5-9943-2F3C059CBB07}"/>
+                <a16:creationId xmlns="" xmlns:a16="http://schemas.microsoft.com/office/drawing/2014/main" id="{435C570D-44A7-41A5-9943-2F3C059CBB07}"/>
               </a:ext>
             </a:extLst>
           </p:cNvPr>
@@ -2309,7 +2309,7 @@
           <p:cNvPr id="4" name="Text Placeholder 3">
             <a:extLst>
               <a:ext uri="{FF2B5EF4-FFF2-40B4-BE49-F238E27FC236}">
-                <a16:creationId xmlns:a16="http://schemas.microsoft.com/office/drawing/2014/main" xmlns="" id="{648CD32E-5659-4317-91E7-4E4A14E343C3}"/>
+                <a16:creationId xmlns="" xmlns:a16="http://schemas.microsoft.com/office/drawing/2014/main" id="{648CD32E-5659-4317-91E7-4E4A14E343C3}"/>
               </a:ext>
             </a:extLst>
           </p:cNvPr>
@@ -2380,7 +2380,7 @@
           <p:cNvPr id="5" name="Date Placeholder 4">
             <a:extLst>
               <a:ext uri="{FF2B5EF4-FFF2-40B4-BE49-F238E27FC236}">
-                <a16:creationId xmlns:a16="http://schemas.microsoft.com/office/drawing/2014/main" xmlns="" id="{23EA49DD-F291-45FA-843F-5C0A7C23B55D}"/>
+                <a16:creationId xmlns="" xmlns:a16="http://schemas.microsoft.com/office/drawing/2014/main" id="{23EA49DD-F291-45FA-843F-5C0A7C23B55D}"/>
               </a:ext>
             </a:extLst>
           </p:cNvPr>
@@ -2398,7 +2398,7 @@
           <a:p>
             <a:fld id="{97F021AD-41EF-4489-B91E-49FA2D7EA164}" type="datetimeFigureOut">
               <a:rPr lang="en-IN" smtClean="0"/>
-              <a:t>28-08-2018</a:t>
+              <a:t>29-08-2018</a:t>
             </a:fld>
             <a:endParaRPr lang="en-IN"/>
           </a:p>
@@ -2409,7 +2409,7 @@
           <p:cNvPr id="6" name="Footer Placeholder 5">
             <a:extLst>
               <a:ext uri="{FF2B5EF4-FFF2-40B4-BE49-F238E27FC236}">
-                <a16:creationId xmlns:a16="http://schemas.microsoft.com/office/drawing/2014/main" xmlns="" id="{A0281141-7F71-4158-8AD6-1985575376C2}"/>
+                <a16:creationId xmlns="" xmlns:a16="http://schemas.microsoft.com/office/drawing/2014/main" id="{A0281141-7F71-4158-8AD6-1985575376C2}"/>
               </a:ext>
             </a:extLst>
           </p:cNvPr>
@@ -2434,7 +2434,7 @@
           <p:cNvPr id="7" name="Slide Number Placeholder 6">
             <a:extLst>
               <a:ext uri="{FF2B5EF4-FFF2-40B4-BE49-F238E27FC236}">
-                <a16:creationId xmlns:a16="http://schemas.microsoft.com/office/drawing/2014/main" xmlns="" id="{11A68BF7-2213-4107-8985-D64D4C4C440A}"/>
+                <a16:creationId xmlns="" xmlns:a16="http://schemas.microsoft.com/office/drawing/2014/main" id="{11A68BF7-2213-4107-8985-D64D4C4C440A}"/>
               </a:ext>
             </a:extLst>
           </p:cNvPr>
@@ -2493,7 +2493,7 @@
           <p:cNvPr id="2" name="Title 1">
             <a:extLst>
               <a:ext uri="{FF2B5EF4-FFF2-40B4-BE49-F238E27FC236}">
-                <a16:creationId xmlns:a16="http://schemas.microsoft.com/office/drawing/2014/main" xmlns="" id="{F2CAFF9E-1DAF-40C5-B44D-A5D714399232}"/>
+                <a16:creationId xmlns="" xmlns:a16="http://schemas.microsoft.com/office/drawing/2014/main" id="{F2CAFF9E-1DAF-40C5-B44D-A5D714399232}"/>
               </a:ext>
             </a:extLst>
           </p:cNvPr>
@@ -2531,7 +2531,7 @@
           <p:cNvPr id="3" name="Picture Placeholder 2">
             <a:extLst>
               <a:ext uri="{FF2B5EF4-FFF2-40B4-BE49-F238E27FC236}">
-                <a16:creationId xmlns:a16="http://schemas.microsoft.com/office/drawing/2014/main" xmlns="" id="{A35A00BB-B7FA-4C5D-A389-80BF1DACC1FE}"/>
+                <a16:creationId xmlns="" xmlns:a16="http://schemas.microsoft.com/office/drawing/2014/main" id="{A35A00BB-B7FA-4C5D-A389-80BF1DACC1FE}"/>
               </a:ext>
             </a:extLst>
           </p:cNvPr>
@@ -2598,7 +2598,7 @@
           <p:cNvPr id="4" name="Text Placeholder 3">
             <a:extLst>
               <a:ext uri="{FF2B5EF4-FFF2-40B4-BE49-F238E27FC236}">
-                <a16:creationId xmlns:a16="http://schemas.microsoft.com/office/drawing/2014/main" xmlns="" id="{48C03319-E7BF-4BD9-A2A7-3A78AB8583B0}"/>
+                <a16:creationId xmlns="" xmlns:a16="http://schemas.microsoft.com/office/drawing/2014/main" id="{48C03319-E7BF-4BD9-A2A7-3A78AB8583B0}"/>
               </a:ext>
             </a:extLst>
           </p:cNvPr>
@@ -2669,7 +2669,7 @@
           <p:cNvPr id="5" name="Date Placeholder 4">
             <a:extLst>
               <a:ext uri="{FF2B5EF4-FFF2-40B4-BE49-F238E27FC236}">
-                <a16:creationId xmlns:a16="http://schemas.microsoft.com/office/drawing/2014/main" xmlns="" id="{F875EDCB-6F12-4A55-8DFE-22138331EE9A}"/>
+                <a16:creationId xmlns="" xmlns:a16="http://schemas.microsoft.com/office/drawing/2014/main" id="{F875EDCB-6F12-4A55-8DFE-22138331EE9A}"/>
               </a:ext>
             </a:extLst>
           </p:cNvPr>
@@ -2687,7 +2687,7 @@
           <a:p>
             <a:fld id="{97F021AD-41EF-4489-B91E-49FA2D7EA164}" type="datetimeFigureOut">
               <a:rPr lang="en-IN" smtClean="0"/>
-              <a:t>28-08-2018</a:t>
+              <a:t>29-08-2018</a:t>
             </a:fld>
             <a:endParaRPr lang="en-IN"/>
           </a:p>
@@ -2698,7 +2698,7 @@
           <p:cNvPr id="6" name="Footer Placeholder 5">
             <a:extLst>
               <a:ext uri="{FF2B5EF4-FFF2-40B4-BE49-F238E27FC236}">
-                <a16:creationId xmlns:a16="http://schemas.microsoft.com/office/drawing/2014/main" xmlns="" id="{2AD7C364-CF75-4CE3-9927-0E99B056176F}"/>
+                <a16:creationId xmlns="" xmlns:a16="http://schemas.microsoft.com/office/drawing/2014/main" id="{2AD7C364-CF75-4CE3-9927-0E99B056176F}"/>
               </a:ext>
             </a:extLst>
           </p:cNvPr>
@@ -2723,7 +2723,7 @@
           <p:cNvPr id="7" name="Slide Number Placeholder 6">
             <a:extLst>
               <a:ext uri="{FF2B5EF4-FFF2-40B4-BE49-F238E27FC236}">
-                <a16:creationId xmlns:a16="http://schemas.microsoft.com/office/drawing/2014/main" xmlns="" id="{EDEB1388-FAD9-41BA-B4E7-D971C2C80DFD}"/>
+                <a16:creationId xmlns="" xmlns:a16="http://schemas.microsoft.com/office/drawing/2014/main" id="{EDEB1388-FAD9-41BA-B4E7-D971C2C80DFD}"/>
               </a:ext>
             </a:extLst>
           </p:cNvPr>
@@ -2787,7 +2787,7 @@
           <p:cNvPr id="2" name="Title Placeholder 1">
             <a:extLst>
               <a:ext uri="{FF2B5EF4-FFF2-40B4-BE49-F238E27FC236}">
-                <a16:creationId xmlns:a16="http://schemas.microsoft.com/office/drawing/2014/main" xmlns="" id="{365A64B7-0E23-4AEB-806F-F09DBE5CF040}"/>
+                <a16:creationId xmlns="" xmlns:a16="http://schemas.microsoft.com/office/drawing/2014/main" id="{365A64B7-0E23-4AEB-806F-F09DBE5CF040}"/>
               </a:ext>
             </a:extLst>
           </p:cNvPr>
@@ -2826,7 +2826,7 @@
           <p:cNvPr id="3" name="Text Placeholder 2">
             <a:extLst>
               <a:ext uri="{FF2B5EF4-FFF2-40B4-BE49-F238E27FC236}">
-                <a16:creationId xmlns:a16="http://schemas.microsoft.com/office/drawing/2014/main" xmlns="" id="{7475A4B5-6887-45B8-AA64-6E8090AF56B2}"/>
+                <a16:creationId xmlns="" xmlns:a16="http://schemas.microsoft.com/office/drawing/2014/main" id="{7475A4B5-6887-45B8-AA64-6E8090AF56B2}"/>
               </a:ext>
             </a:extLst>
           </p:cNvPr>
@@ -2894,7 +2894,7 @@
           <p:cNvPr id="4" name="Date Placeholder 3">
             <a:extLst>
               <a:ext uri="{FF2B5EF4-FFF2-40B4-BE49-F238E27FC236}">
-                <a16:creationId xmlns:a16="http://schemas.microsoft.com/office/drawing/2014/main" xmlns="" id="{86540AAF-1240-4E7B-9FD8-E95664ED0BE6}"/>
+                <a16:creationId xmlns="" xmlns:a16="http://schemas.microsoft.com/office/drawing/2014/main" id="{86540AAF-1240-4E7B-9FD8-E95664ED0BE6}"/>
               </a:ext>
             </a:extLst>
           </p:cNvPr>
@@ -2930,7 +2930,7 @@
           <a:p>
             <a:fld id="{97F021AD-41EF-4489-B91E-49FA2D7EA164}" type="datetimeFigureOut">
               <a:rPr lang="en-IN" smtClean="0"/>
-              <a:t>28-08-2018</a:t>
+              <a:t>29-08-2018</a:t>
             </a:fld>
             <a:endParaRPr lang="en-IN"/>
           </a:p>
@@ -2941,7 +2941,7 @@
           <p:cNvPr id="5" name="Footer Placeholder 4">
             <a:extLst>
               <a:ext uri="{FF2B5EF4-FFF2-40B4-BE49-F238E27FC236}">
-                <a16:creationId xmlns:a16="http://schemas.microsoft.com/office/drawing/2014/main" xmlns="" id="{B97F5D9A-B5E1-42D3-B8DD-C6591D51347F}"/>
+                <a16:creationId xmlns="" xmlns:a16="http://schemas.microsoft.com/office/drawing/2014/main" id="{B97F5D9A-B5E1-42D3-B8DD-C6591D51347F}"/>
               </a:ext>
             </a:extLst>
           </p:cNvPr>
@@ -2984,7 +2984,7 @@
           <p:cNvPr id="6" name="Slide Number Placeholder 5">
             <a:extLst>
               <a:ext uri="{FF2B5EF4-FFF2-40B4-BE49-F238E27FC236}">
-                <a16:creationId xmlns:a16="http://schemas.microsoft.com/office/drawing/2014/main" xmlns="" id="{B49CE8A3-0817-4E82-BDEF-C22049148AA7}"/>
+                <a16:creationId xmlns="" xmlns:a16="http://schemas.microsoft.com/office/drawing/2014/main" id="{B49CE8A3-0817-4E82-BDEF-C22049148AA7}"/>
               </a:ext>
             </a:extLst>
           </p:cNvPr>
@@ -3352,7 +3352,7 @@
           <p:cNvPr id="5" name="Picture 4">
             <a:extLst>
               <a:ext uri="{FF2B5EF4-FFF2-40B4-BE49-F238E27FC236}">
-                <a16:creationId xmlns:a16="http://schemas.microsoft.com/office/drawing/2014/main" xmlns="" id="{6E881595-3A5E-4B0C-A947-8DC85E1D68B2}"/>
+                <a16:creationId xmlns="" xmlns:a16="http://schemas.microsoft.com/office/drawing/2014/main" id="{6E881595-3A5E-4B0C-A947-8DC85E1D68B2}"/>
               </a:ext>
             </a:extLst>
           </p:cNvPr>
@@ -3387,7 +3387,7 @@
           <p:cNvPr id="6" name="Rectangle 5">
             <a:extLst>
               <a:ext uri="{FF2B5EF4-FFF2-40B4-BE49-F238E27FC236}">
-                <a16:creationId xmlns:a16="http://schemas.microsoft.com/office/drawing/2014/main" xmlns="" id="{8C8A2F97-EFD8-4C68-AFCE-221D0A0844B5}"/>
+                <a16:creationId xmlns="" xmlns:a16="http://schemas.microsoft.com/office/drawing/2014/main" id="{8C8A2F97-EFD8-4C68-AFCE-221D0A0844B5}"/>
               </a:ext>
             </a:extLst>
           </p:cNvPr>
@@ -3436,7 +3436,7 @@
           <p:cNvPr id="7" name="TextBox 6">
             <a:extLst>
               <a:ext uri="{FF2B5EF4-FFF2-40B4-BE49-F238E27FC236}">
-                <a16:creationId xmlns:a16="http://schemas.microsoft.com/office/drawing/2014/main" xmlns="" id="{6A07D741-835C-4ED4-985E-53F0B888A799}"/>
+                <a16:creationId xmlns="" xmlns:a16="http://schemas.microsoft.com/office/drawing/2014/main" id="{6A07D741-835C-4ED4-985E-53F0B888A799}"/>
               </a:ext>
             </a:extLst>
           </p:cNvPr>
@@ -3471,7 +3471,7 @@
           <p:cNvPr id="8" name="Oval 7">
             <a:extLst>
               <a:ext uri="{FF2B5EF4-FFF2-40B4-BE49-F238E27FC236}">
-                <a16:creationId xmlns:a16="http://schemas.microsoft.com/office/drawing/2014/main" xmlns="" id="{C0D30347-44BD-4CC7-9197-ACC2A8F8A734}"/>
+                <a16:creationId xmlns="" xmlns:a16="http://schemas.microsoft.com/office/drawing/2014/main" id="{C0D30347-44BD-4CC7-9197-ACC2A8F8A734}"/>
               </a:ext>
             </a:extLst>
           </p:cNvPr>
@@ -3523,7 +3523,7 @@
           <p:cNvPr id="9" name="Oval 8">
             <a:extLst>
               <a:ext uri="{FF2B5EF4-FFF2-40B4-BE49-F238E27FC236}">
-                <a16:creationId xmlns:a16="http://schemas.microsoft.com/office/drawing/2014/main" xmlns="" id="{67CC78BC-5A6C-4C85-A27F-51D81B95F257}"/>
+                <a16:creationId xmlns="" xmlns:a16="http://schemas.microsoft.com/office/drawing/2014/main" id="{67CC78BC-5A6C-4C85-A27F-51D81B95F257}"/>
               </a:ext>
             </a:extLst>
           </p:cNvPr>
@@ -3575,7 +3575,7 @@
           <p:cNvPr id="10" name="Oval 9">
             <a:extLst>
               <a:ext uri="{FF2B5EF4-FFF2-40B4-BE49-F238E27FC236}">
-                <a16:creationId xmlns:a16="http://schemas.microsoft.com/office/drawing/2014/main" xmlns="" id="{19775E3A-8912-4883-9421-05A1A18A8F55}"/>
+                <a16:creationId xmlns="" xmlns:a16="http://schemas.microsoft.com/office/drawing/2014/main" id="{19775E3A-8912-4883-9421-05A1A18A8F55}"/>
               </a:ext>
             </a:extLst>
           </p:cNvPr>
@@ -3627,7 +3627,7 @@
           <p:cNvPr id="12" name="Straight Connector 11">
             <a:extLst>
               <a:ext uri="{FF2B5EF4-FFF2-40B4-BE49-F238E27FC236}">
-                <a16:creationId xmlns:a16="http://schemas.microsoft.com/office/drawing/2014/main" xmlns="" id="{3BE92458-8D85-4330-A07F-8202270B6F8E}"/>
+                <a16:creationId xmlns="" xmlns:a16="http://schemas.microsoft.com/office/drawing/2014/main" id="{3BE92458-8D85-4330-A07F-8202270B6F8E}"/>
               </a:ext>
             </a:extLst>
           </p:cNvPr>
@@ -3666,7 +3666,7 @@
           <p:cNvPr id="14" name="Straight Connector 13">
             <a:extLst>
               <a:ext uri="{FF2B5EF4-FFF2-40B4-BE49-F238E27FC236}">
-                <a16:creationId xmlns:a16="http://schemas.microsoft.com/office/drawing/2014/main" xmlns="" id="{AE0E72FC-D25E-43DF-9918-987CE6CD262B}"/>
+                <a16:creationId xmlns="" xmlns:a16="http://schemas.microsoft.com/office/drawing/2014/main" id="{AE0E72FC-D25E-43DF-9918-987CE6CD262B}"/>
               </a:ext>
             </a:extLst>
           </p:cNvPr>
@@ -3706,7 +3706,7 @@
           <p:cNvPr id="16" name="Straight Connector 15">
             <a:extLst>
               <a:ext uri="{FF2B5EF4-FFF2-40B4-BE49-F238E27FC236}">
-                <a16:creationId xmlns:a16="http://schemas.microsoft.com/office/drawing/2014/main" xmlns="" id="{E31AB3E6-525A-4305-9914-02BA5AE34800}"/>
+                <a16:creationId xmlns="" xmlns:a16="http://schemas.microsoft.com/office/drawing/2014/main" id="{E31AB3E6-525A-4305-9914-02BA5AE34800}"/>
               </a:ext>
             </a:extLst>
           </p:cNvPr>
@@ -3745,7 +3745,7 @@
           <p:cNvPr id="18" name="Oval 17">
             <a:extLst>
               <a:ext uri="{FF2B5EF4-FFF2-40B4-BE49-F238E27FC236}">
-                <a16:creationId xmlns:a16="http://schemas.microsoft.com/office/drawing/2014/main" xmlns="" id="{14DB790E-FBCD-4864-B25F-5CA8B9C26991}"/>
+                <a16:creationId xmlns="" xmlns:a16="http://schemas.microsoft.com/office/drawing/2014/main" id="{14DB790E-FBCD-4864-B25F-5CA8B9C26991}"/>
               </a:ext>
             </a:extLst>
           </p:cNvPr>
@@ -3797,7 +3797,7 @@
           <p:cNvPr id="19" name="Oval 18">
             <a:extLst>
               <a:ext uri="{FF2B5EF4-FFF2-40B4-BE49-F238E27FC236}">
-                <a16:creationId xmlns:a16="http://schemas.microsoft.com/office/drawing/2014/main" xmlns="" id="{F7EC4226-EE5F-4EF9-932F-F6282F1F7ABA}"/>
+                <a16:creationId xmlns="" xmlns:a16="http://schemas.microsoft.com/office/drawing/2014/main" id="{F7EC4226-EE5F-4EF9-932F-F6282F1F7ABA}"/>
               </a:ext>
             </a:extLst>
           </p:cNvPr>
@@ -3849,7 +3849,7 @@
           <p:cNvPr id="20" name="Oval 19">
             <a:extLst>
               <a:ext uri="{FF2B5EF4-FFF2-40B4-BE49-F238E27FC236}">
-                <a16:creationId xmlns:a16="http://schemas.microsoft.com/office/drawing/2014/main" xmlns="" id="{4CBBE38F-2F6E-4E7B-B55C-62BFB131B35F}"/>
+                <a16:creationId xmlns="" xmlns:a16="http://schemas.microsoft.com/office/drawing/2014/main" id="{4CBBE38F-2F6E-4E7B-B55C-62BFB131B35F}"/>
               </a:ext>
             </a:extLst>
           </p:cNvPr>
@@ -3901,7 +3901,7 @@
           <p:cNvPr id="21" name="Picture 20">
             <a:extLst>
               <a:ext uri="{FF2B5EF4-FFF2-40B4-BE49-F238E27FC236}">
-                <a16:creationId xmlns:a16="http://schemas.microsoft.com/office/drawing/2014/main" xmlns="" id="{50E7BBF7-717F-473C-AD8D-5F0643DEF207}"/>
+                <a16:creationId xmlns="" xmlns:a16="http://schemas.microsoft.com/office/drawing/2014/main" id="{50E7BBF7-717F-473C-AD8D-5F0643DEF207}"/>
               </a:ext>
             </a:extLst>
           </p:cNvPr>
@@ -3936,7 +3936,7 @@
           <p:cNvPr id="23" name="Straight Connector 22">
             <a:extLst>
               <a:ext uri="{FF2B5EF4-FFF2-40B4-BE49-F238E27FC236}">
-                <a16:creationId xmlns:a16="http://schemas.microsoft.com/office/drawing/2014/main" xmlns="" id="{ACDE3668-35D3-486C-8FB1-D35770DC7B86}"/>
+                <a16:creationId xmlns="" xmlns:a16="http://schemas.microsoft.com/office/drawing/2014/main" id="{ACDE3668-35D3-486C-8FB1-D35770DC7B86}"/>
               </a:ext>
             </a:extLst>
           </p:cNvPr>
@@ -3975,7 +3975,7 @@
           <p:cNvPr id="25" name="Straight Connector 24">
             <a:extLst>
               <a:ext uri="{FF2B5EF4-FFF2-40B4-BE49-F238E27FC236}">
-                <a16:creationId xmlns:a16="http://schemas.microsoft.com/office/drawing/2014/main" xmlns="" id="{B4EF3847-6C07-4FDE-A19E-872DDBE770E7}"/>
+                <a16:creationId xmlns="" xmlns:a16="http://schemas.microsoft.com/office/drawing/2014/main" id="{B4EF3847-6C07-4FDE-A19E-872DDBE770E7}"/>
               </a:ext>
             </a:extLst>
           </p:cNvPr>
@@ -4014,7 +4014,7 @@
           <p:cNvPr id="27" name="Straight Connector 26">
             <a:extLst>
               <a:ext uri="{FF2B5EF4-FFF2-40B4-BE49-F238E27FC236}">
-                <a16:creationId xmlns:a16="http://schemas.microsoft.com/office/drawing/2014/main" xmlns="" id="{B2BFD5C2-559C-4F61-91A2-6482B37654DB}"/>
+                <a16:creationId xmlns="" xmlns:a16="http://schemas.microsoft.com/office/drawing/2014/main" id="{B2BFD5C2-559C-4F61-91A2-6482B37654DB}"/>
               </a:ext>
             </a:extLst>
           </p:cNvPr>
@@ -4053,7 +4053,7 @@
           <p:cNvPr id="34" name="TextBox 33">
             <a:extLst>
               <a:ext uri="{FF2B5EF4-FFF2-40B4-BE49-F238E27FC236}">
-                <a16:creationId xmlns:a16="http://schemas.microsoft.com/office/drawing/2014/main" xmlns="" id="{F9057E3B-1BB1-4552-8A79-6C1DF614E1C5}"/>
+                <a16:creationId xmlns="" xmlns:a16="http://schemas.microsoft.com/office/drawing/2014/main" id="{F9057E3B-1BB1-4552-8A79-6C1DF614E1C5}"/>
               </a:ext>
             </a:extLst>
           </p:cNvPr>
@@ -4088,7 +4088,7 @@
           <p:cNvPr id="35" name="TextBox 34">
             <a:extLst>
               <a:ext uri="{FF2B5EF4-FFF2-40B4-BE49-F238E27FC236}">
-                <a16:creationId xmlns:a16="http://schemas.microsoft.com/office/drawing/2014/main" xmlns="" id="{1E5920C4-9B4D-4D53-B3E9-0FF60C0FAAB6}"/>
+                <a16:creationId xmlns="" xmlns:a16="http://schemas.microsoft.com/office/drawing/2014/main" id="{1E5920C4-9B4D-4D53-B3E9-0FF60C0FAAB6}"/>
               </a:ext>
             </a:extLst>
           </p:cNvPr>
@@ -4123,7 +4123,7 @@
           <p:cNvPr id="22" name="Oval 21">
             <a:extLst>
               <a:ext uri="{FF2B5EF4-FFF2-40B4-BE49-F238E27FC236}">
-                <a16:creationId xmlns:a16="http://schemas.microsoft.com/office/drawing/2014/main" xmlns="" id="{4CBBE38F-2F6E-4E7B-B55C-62BFB131B35F}"/>
+                <a16:creationId xmlns="" xmlns:a16="http://schemas.microsoft.com/office/drawing/2014/main" id="{4CBBE38F-2F6E-4E7B-B55C-62BFB131B35F}"/>
               </a:ext>
             </a:extLst>
           </p:cNvPr>
@@ -4176,7 +4176,7 @@
           <p:cNvPr id="24" name="Straight Connector 23">
             <a:extLst>
               <a:ext uri="{FF2B5EF4-FFF2-40B4-BE49-F238E27FC236}">
-                <a16:creationId xmlns:a16="http://schemas.microsoft.com/office/drawing/2014/main" xmlns="" id="{B2BFD5C2-559C-4F61-91A2-6482B37654DB}"/>
+                <a16:creationId xmlns="" xmlns:a16="http://schemas.microsoft.com/office/drawing/2014/main" id="{B2BFD5C2-559C-4F61-91A2-6482B37654DB}"/>
               </a:ext>
             </a:extLst>
           </p:cNvPr>
@@ -4215,7 +4215,7 @@
           <p:cNvPr id="26" name="Straight Connector 25">
             <a:extLst>
               <a:ext uri="{FF2B5EF4-FFF2-40B4-BE49-F238E27FC236}">
-                <a16:creationId xmlns:a16="http://schemas.microsoft.com/office/drawing/2014/main" xmlns="" id="{E31AB3E6-525A-4305-9914-02BA5AE34800}"/>
+                <a16:creationId xmlns="" xmlns:a16="http://schemas.microsoft.com/office/drawing/2014/main" id="{E31AB3E6-525A-4305-9914-02BA5AE34800}"/>
               </a:ext>
             </a:extLst>
           </p:cNvPr>
@@ -4283,7 +4283,7 @@
           <p:cNvPr id="2" name="Flowchart: Process 1">
             <a:extLst>
               <a:ext uri="{FF2B5EF4-FFF2-40B4-BE49-F238E27FC236}">
-                <a16:creationId xmlns:a16="http://schemas.microsoft.com/office/drawing/2014/main" xmlns="" id="{C26AB3B2-A111-46CC-B834-5ECEB357FF06}"/>
+                <a16:creationId xmlns="" xmlns:a16="http://schemas.microsoft.com/office/drawing/2014/main" id="{C26AB3B2-A111-46CC-B834-5ECEB357FF06}"/>
               </a:ext>
             </a:extLst>
           </p:cNvPr>
@@ -4292,8 +4292,8 @@
         </p:nvSpPr>
         <p:spPr>
           <a:xfrm>
-            <a:off x="320844" y="1507956"/>
-            <a:ext cx="2454443" cy="2379781"/>
+            <a:off x="1124910" y="1507956"/>
+            <a:ext cx="2454443" cy="1519023"/>
           </a:xfrm>
           <a:prstGeom prst="flowChartProcess">
             <a:avLst/>
@@ -4332,7 +4332,7 @@
           <p:cNvPr id="4" name="Straight Connector 3">
             <a:extLst>
               <a:ext uri="{FF2B5EF4-FFF2-40B4-BE49-F238E27FC236}">
-                <a16:creationId xmlns:a16="http://schemas.microsoft.com/office/drawing/2014/main" xmlns="" id="{90A4F7DF-C280-405E-A825-24F33C640BEB}"/>
+                <a16:creationId xmlns="" xmlns:a16="http://schemas.microsoft.com/office/drawing/2014/main" id="{90A4F7DF-C280-405E-A825-24F33C640BEB}"/>
               </a:ext>
             </a:extLst>
           </p:cNvPr>
@@ -4343,7 +4343,7 @@
         </p:nvCxnSpPr>
         <p:spPr>
           <a:xfrm>
-            <a:off x="320846" y="1925052"/>
+            <a:off x="1124912" y="1925052"/>
             <a:ext cx="2454441" cy="362"/>
           </a:xfrm>
           <a:prstGeom prst="line">
@@ -4370,7 +4370,7 @@
           <p:cNvPr id="6" name="Straight Connector 5">
             <a:extLst>
               <a:ext uri="{FF2B5EF4-FFF2-40B4-BE49-F238E27FC236}">
-                <a16:creationId xmlns:a16="http://schemas.microsoft.com/office/drawing/2014/main" xmlns="" id="{2A7D3217-A7A8-4135-AFA0-3C20013B7960}"/>
+                <a16:creationId xmlns="" xmlns:a16="http://schemas.microsoft.com/office/drawing/2014/main" id="{2A7D3217-A7A8-4135-AFA0-3C20013B7960}"/>
               </a:ext>
             </a:extLst>
           </p:cNvPr>
@@ -4381,7 +4381,7 @@
         </p:nvCxnSpPr>
         <p:spPr>
           <a:xfrm flipV="1">
-            <a:off x="328868" y="2334486"/>
+            <a:off x="1132934" y="2334486"/>
             <a:ext cx="2446419" cy="15680"/>
           </a:xfrm>
           <a:prstGeom prst="line">
@@ -4408,7 +4408,7 @@
           <p:cNvPr id="7" name="TextBox 6">
             <a:extLst>
               <a:ext uri="{FF2B5EF4-FFF2-40B4-BE49-F238E27FC236}">
-                <a16:creationId xmlns:a16="http://schemas.microsoft.com/office/drawing/2014/main" xmlns="" id="{32469109-B730-45D6-8949-8BD3839D8F65}"/>
+                <a16:creationId xmlns="" xmlns:a16="http://schemas.microsoft.com/office/drawing/2014/main" id="{32469109-B730-45D6-8949-8BD3839D8F65}"/>
               </a:ext>
             </a:extLst>
           </p:cNvPr>
@@ -4417,7 +4417,7 @@
         </p:nvSpPr>
         <p:spPr>
           <a:xfrm>
-            <a:off x="673770" y="1556082"/>
+            <a:off x="1477836" y="1556082"/>
             <a:ext cx="1126206" cy="369332"/>
           </a:xfrm>
           <a:prstGeom prst="rect">
@@ -4443,7 +4443,7 @@
           <p:cNvPr id="8" name="TextBox 7">
             <a:extLst>
               <a:ext uri="{FF2B5EF4-FFF2-40B4-BE49-F238E27FC236}">
-                <a16:creationId xmlns:a16="http://schemas.microsoft.com/office/drawing/2014/main" xmlns="" id="{B894F1D5-9B9C-4D93-A152-16AF291413E5}"/>
+                <a16:creationId xmlns="" xmlns:a16="http://schemas.microsoft.com/office/drawing/2014/main" id="{B894F1D5-9B9C-4D93-A152-16AF291413E5}"/>
               </a:ext>
             </a:extLst>
           </p:cNvPr>
@@ -4452,7 +4452,7 @@
         </p:nvSpPr>
         <p:spPr>
           <a:xfrm>
-            <a:off x="280738" y="1965154"/>
+            <a:off x="1084804" y="1965154"/>
             <a:ext cx="445956" cy="338554"/>
           </a:xfrm>
           <a:prstGeom prst="rect">
@@ -4479,7 +4479,7 @@
           <p:cNvPr id="9" name="TextBox 8">
             <a:extLst>
               <a:ext uri="{FF2B5EF4-FFF2-40B4-BE49-F238E27FC236}">
-                <a16:creationId xmlns:a16="http://schemas.microsoft.com/office/drawing/2014/main" xmlns="" id="{89B4A670-9A0F-4A98-A0B4-9BC09CCE394A}"/>
+                <a16:creationId xmlns="" xmlns:a16="http://schemas.microsoft.com/office/drawing/2014/main" id="{89B4A670-9A0F-4A98-A0B4-9BC09CCE394A}"/>
               </a:ext>
             </a:extLst>
           </p:cNvPr>
@@ -4488,8 +4488,8 @@
         </p:nvSpPr>
         <p:spPr>
           <a:xfrm>
-            <a:off x="296783" y="2318077"/>
-            <a:ext cx="2478504" cy="1569660"/>
+            <a:off x="1100849" y="2318077"/>
+            <a:ext cx="2478504" cy="584775"/>
           </a:xfrm>
           <a:prstGeom prst="rect">
             <a:avLst/>
@@ -4508,78 +4508,27 @@
             </a:r>
             <a:r>
               <a:rPr lang="en-IN" sz="1600" dirty="0" err="1" smtClean="0"/>
-              <a:t>dispenseProduct</a:t>
-            </a:r>
-            <a:r>
-              <a:rPr lang="en-IN" sz="1600" dirty="0"/>
+              <a:t>displayMenuOption</a:t>
+            </a:r>
+            <a:r>
+              <a:rPr lang="en-IN" sz="1600" dirty="0" smtClean="0"/>
               <a:t>()</a:t>
             </a:r>
           </a:p>
           <a:p>
             <a:r>
-              <a:rPr lang="en-IN" sz="1600" dirty="0" smtClean="0"/>
+              <a:rPr lang="en-US" sz="1600" dirty="0" smtClean="0"/>
               <a:t>+</a:t>
             </a:r>
             <a:r>
-              <a:rPr lang="en-IN" sz="1600" dirty="0" err="1" smtClean="0"/>
-              <a:t>refillContainer</a:t>
-            </a:r>
-            <a:r>
-              <a:rPr lang="en-IN" sz="1600" dirty="0"/>
+              <a:rPr lang="en-US" sz="1600" dirty="0" err="1" smtClean="0"/>
+              <a:t>callSelectedOption</a:t>
+            </a:r>
+            <a:r>
+              <a:rPr lang="en-US" sz="1600" dirty="0" smtClean="0"/>
               <a:t>()</a:t>
             </a:r>
-          </a:p>
-          <a:p>
-            <a:r>
-              <a:rPr lang="en-IN" sz="1600" dirty="0" smtClean="0"/>
-              <a:t>+</a:t>
-            </a:r>
-            <a:r>
-              <a:rPr lang="en-IN" sz="1600" dirty="0" err="1" smtClean="0"/>
-              <a:t>checkTotalSale</a:t>
-            </a:r>
-            <a:r>
-              <a:rPr lang="en-IN" sz="1600" dirty="0"/>
-              <a:t>()</a:t>
-            </a:r>
-          </a:p>
-          <a:p>
-            <a:r>
-              <a:rPr lang="en-IN" sz="1600" dirty="0" smtClean="0"/>
-              <a:t>+</a:t>
-            </a:r>
-            <a:r>
-              <a:rPr lang="en-IN" sz="1600" dirty="0" err="1" smtClean="0"/>
-              <a:t>checkContainerStatus</a:t>
-            </a:r>
-            <a:r>
-              <a:rPr lang="en-IN" sz="1600" dirty="0"/>
-              <a:t>()</a:t>
-            </a:r>
-          </a:p>
-          <a:p>
-            <a:r>
-              <a:rPr lang="en-IN" sz="1600" dirty="0" smtClean="0"/>
-              <a:t>+</a:t>
-            </a:r>
-            <a:r>
-              <a:rPr lang="en-IN" sz="1600" dirty="0" err="1" smtClean="0"/>
-              <a:t>resetContainer</a:t>
-            </a:r>
-            <a:r>
-              <a:rPr lang="en-IN" sz="1600" dirty="0"/>
-              <a:t>()</a:t>
-            </a:r>
-          </a:p>
-          <a:p>
-            <a:r>
-              <a:rPr lang="en-IN" sz="1600" dirty="0" smtClean="0"/>
-              <a:t>+exit</a:t>
-            </a:r>
-            <a:r>
-              <a:rPr lang="en-IN" sz="1600" dirty="0"/>
-              <a:t>()</a:t>
-            </a:r>
+            <a:endParaRPr lang="en-IN" sz="1600" dirty="0"/>
           </a:p>
         </p:txBody>
       </p:sp>
@@ -4588,7 +4537,7 @@
           <p:cNvPr id="12" name="Flowchart: Process 11">
             <a:extLst>
               <a:ext uri="{FF2B5EF4-FFF2-40B4-BE49-F238E27FC236}">
-                <a16:creationId xmlns:a16="http://schemas.microsoft.com/office/drawing/2014/main" xmlns="" id="{F793EF35-83C8-4D26-92EA-AB02CDD4155D}"/>
+                <a16:creationId xmlns="" xmlns:a16="http://schemas.microsoft.com/office/drawing/2014/main" id="{F793EF35-83C8-4D26-92EA-AB02CDD4155D}"/>
               </a:ext>
             </a:extLst>
           </p:cNvPr>
@@ -4597,8 +4546,8 @@
         </p:nvSpPr>
         <p:spPr>
           <a:xfrm>
-            <a:off x="8221583" y="665744"/>
-            <a:ext cx="2454443" cy="2032102"/>
+            <a:off x="6960304" y="2008624"/>
+            <a:ext cx="2202600" cy="1809045"/>
           </a:xfrm>
           <a:prstGeom prst="flowChartProcess">
             <a:avLst/>
@@ -4637,7 +4586,7 @@
           <p:cNvPr id="13" name="Straight Connector 12">
             <a:extLst>
               <a:ext uri="{FF2B5EF4-FFF2-40B4-BE49-F238E27FC236}">
-                <a16:creationId xmlns:a16="http://schemas.microsoft.com/office/drawing/2014/main" xmlns="" id="{E292266B-CAC0-44DB-97FB-9385B9C2B7CA}"/>
+                <a16:creationId xmlns="" xmlns:a16="http://schemas.microsoft.com/office/drawing/2014/main" id="{E292266B-CAC0-44DB-97FB-9385B9C2B7CA}"/>
               </a:ext>
             </a:extLst>
           </p:cNvPr>
@@ -4648,8 +4597,8 @@
         </p:nvCxnSpPr>
         <p:spPr>
           <a:xfrm>
-            <a:off x="8221585" y="1082840"/>
-            <a:ext cx="2454441" cy="362"/>
+            <a:off x="6960305" y="2722504"/>
+            <a:ext cx="2202599" cy="0"/>
           </a:xfrm>
           <a:prstGeom prst="line">
             <a:avLst/>
@@ -4675,7 +4624,7 @@
           <p:cNvPr id="14" name="Straight Connector 13">
             <a:extLst>
               <a:ext uri="{FF2B5EF4-FFF2-40B4-BE49-F238E27FC236}">
-                <a16:creationId xmlns:a16="http://schemas.microsoft.com/office/drawing/2014/main" xmlns="" id="{7B9E7832-0532-413B-9B11-EFE3E1832750}"/>
+                <a16:creationId xmlns="" xmlns:a16="http://schemas.microsoft.com/office/drawing/2014/main" id="{7B9E7832-0532-413B-9B11-EFE3E1832750}"/>
               </a:ext>
             </a:extLst>
           </p:cNvPr>
@@ -4686,8 +4635,8 @@
         </p:nvCxnSpPr>
         <p:spPr>
           <a:xfrm flipV="1">
-            <a:off x="8229607" y="1911850"/>
-            <a:ext cx="2446419" cy="15680"/>
+            <a:off x="6968327" y="2991778"/>
+            <a:ext cx="2194577" cy="7840"/>
           </a:xfrm>
           <a:prstGeom prst="line">
             <a:avLst/>
@@ -4713,7 +4662,7 @@
           <p:cNvPr id="15" name="TextBox 14">
             <a:extLst>
               <a:ext uri="{FF2B5EF4-FFF2-40B4-BE49-F238E27FC236}">
-                <a16:creationId xmlns:a16="http://schemas.microsoft.com/office/drawing/2014/main" xmlns="" id="{E535D3A1-D340-49E5-9604-CE3EF8A374FA}"/>
+                <a16:creationId xmlns="" xmlns:a16="http://schemas.microsoft.com/office/drawing/2014/main" id="{E535D3A1-D340-49E5-9604-CE3EF8A374FA}"/>
               </a:ext>
             </a:extLst>
           </p:cNvPr>
@@ -4722,8 +4671,8 @@
         </p:nvSpPr>
         <p:spPr>
           <a:xfrm>
-            <a:off x="8574509" y="713870"/>
-            <a:ext cx="919932" cy="369332"/>
+            <a:off x="7155569" y="2048364"/>
+            <a:ext cx="1849674" cy="646331"/>
           </a:xfrm>
           <a:prstGeom prst="rect">
             <a:avLst/>
@@ -4737,18 +4686,25 @@
           <a:lstStyle/>
           <a:p>
             <a:r>
-              <a:rPr lang="en-IN" dirty="0"/>
-              <a:t>Product</a:t>
-            </a:r>
-          </a:p>
-        </p:txBody>
-      </p:sp>
-      <p:sp>
-        <p:nvSpPr>
-          <p:cNvPr id="16" name="TextBox 15">
-            <a:extLst>
-              <a:ext uri="{FF2B5EF4-FFF2-40B4-BE49-F238E27FC236}">
-                <a16:creationId xmlns:a16="http://schemas.microsoft.com/office/drawing/2014/main" xmlns="" id="{B1981A7E-B63A-4477-B051-16BDC52F3372}"/>
+              <a:rPr lang="en-IN" dirty="0" smtClean="0"/>
+              <a:t>  &lt;&lt;interface&gt;&gt;</a:t>
+            </a:r>
+          </a:p>
+          <a:p>
+            <a:r>
+              <a:rPr lang="en-IN" dirty="0" err="1" smtClean="0"/>
+              <a:t>ProductDispenser</a:t>
+            </a:r>
+            <a:endParaRPr lang="en-IN" dirty="0"/>
+          </a:p>
+        </p:txBody>
+      </p:sp>
+      <p:sp>
+        <p:nvSpPr>
+          <p:cNvPr id="17" name="TextBox 16">
+            <a:extLst>
+              <a:ext uri="{FF2B5EF4-FFF2-40B4-BE49-F238E27FC236}">
+                <a16:creationId xmlns="" xmlns:a16="http://schemas.microsoft.com/office/drawing/2014/main" id="{EF13C05D-AC63-4D2B-8A3E-48E4A9463832}"/>
               </a:ext>
             </a:extLst>
           </p:cNvPr>
@@ -4757,58 +4713,8 @@
         </p:nvSpPr>
         <p:spPr>
           <a:xfrm>
-            <a:off x="8181477" y="1122942"/>
-            <a:ext cx="982641" cy="830997"/>
-          </a:xfrm>
-          <a:prstGeom prst="rect">
-            <a:avLst/>
-          </a:prstGeom>
-          <a:noFill/>
-        </p:spPr>
-        <p:txBody>
-          <a:bodyPr wrap="none" rtlCol="0">
-            <a:spAutoFit/>
-          </a:bodyPr>
-          <a:lstStyle/>
-          <a:p>
-            <a:r>
-              <a:rPr lang="en-IN" sz="1600" dirty="0" smtClean="0"/>
-              <a:t>+type</a:t>
-            </a:r>
-            <a:endParaRPr lang="en-IN" sz="1600" dirty="0"/>
-          </a:p>
-          <a:p>
-            <a:r>
-              <a:rPr lang="en-IN" sz="1600" dirty="0" smtClean="0"/>
-              <a:t>+Price</a:t>
-            </a:r>
-            <a:endParaRPr lang="en-IN" sz="1600" dirty="0"/>
-          </a:p>
-          <a:p>
-            <a:r>
-              <a:rPr lang="en-IN" sz="1600" dirty="0" smtClean="0"/>
-              <a:t>+quantity</a:t>
-            </a:r>
-            <a:endParaRPr lang="en-IN" sz="1600" dirty="0"/>
-          </a:p>
-        </p:txBody>
-      </p:sp>
-      <p:sp>
-        <p:nvSpPr>
-          <p:cNvPr id="17" name="TextBox 16">
-            <a:extLst>
-              <a:ext uri="{FF2B5EF4-FFF2-40B4-BE49-F238E27FC236}">
-                <a16:creationId xmlns:a16="http://schemas.microsoft.com/office/drawing/2014/main" xmlns="" id="{EF13C05D-AC63-4D2B-8A3E-48E4A9463832}"/>
-              </a:ext>
-            </a:extLst>
-          </p:cNvPr>
-          <p:cNvSpPr txBox="1"/>
-          <p:nvPr/>
-        </p:nvSpPr>
-        <p:spPr>
-          <a:xfrm>
-            <a:off x="8181477" y="1898818"/>
-            <a:ext cx="2446420" cy="584775"/>
+            <a:off x="6920197" y="2986672"/>
+            <a:ext cx="2446420" cy="830997"/>
           </a:xfrm>
           <a:prstGeom prst="rect">
             <a:avLst/>
@@ -4827,6 +4733,21 @@
             </a:r>
             <a:r>
               <a:rPr lang="en-IN" sz="1600" dirty="0" err="1" smtClean="0"/>
+              <a:t>placeOrder</a:t>
+            </a:r>
+            <a:r>
+              <a:rPr lang="en-IN" sz="1600" dirty="0" smtClean="0"/>
+              <a:t>()</a:t>
+            </a:r>
+            <a:endParaRPr lang="en-IN" sz="1600" dirty="0" smtClean="0"/>
+          </a:p>
+          <a:p>
+            <a:r>
+              <a:rPr lang="en-IN" sz="1600" dirty="0" smtClean="0"/>
+              <a:t>+</a:t>
+            </a:r>
+            <a:r>
+              <a:rPr lang="en-IN" sz="1600" dirty="0" err="1" smtClean="0"/>
               <a:t>calculateProductCost</a:t>
             </a:r>
             <a:r>
@@ -4837,16 +4758,9 @@
           <a:p>
             <a:r>
               <a:rPr lang="en-IN" sz="1600" dirty="0" smtClean="0"/>
-              <a:t>+</a:t>
-            </a:r>
-            <a:r>
-              <a:rPr lang="en-IN" sz="1600" dirty="0" err="1" smtClean="0"/>
-              <a:t>dispenseProduct</a:t>
-            </a:r>
-            <a:r>
-              <a:rPr lang="en-IN" sz="1600" dirty="0"/>
-              <a:t>()</a:t>
-            </a:r>
+              <a:t>+dispense ()</a:t>
+            </a:r>
+            <a:endParaRPr lang="en-IN" sz="1600" dirty="0"/>
           </a:p>
         </p:txBody>
       </p:sp>
@@ -4855,7 +4769,7 @@
           <p:cNvPr id="18" name="Flowchart: Process 17">
             <a:extLst>
               <a:ext uri="{FF2B5EF4-FFF2-40B4-BE49-F238E27FC236}">
-                <a16:creationId xmlns:a16="http://schemas.microsoft.com/office/drawing/2014/main" xmlns="" id="{05BC9A74-6897-417B-879A-BE45C58A2511}"/>
+                <a16:creationId xmlns="" xmlns:a16="http://schemas.microsoft.com/office/drawing/2014/main" id="{05BC9A74-6897-417B-879A-BE45C58A2511}"/>
               </a:ext>
             </a:extLst>
           </p:cNvPr>
@@ -4864,8 +4778,8 @@
         </p:nvSpPr>
         <p:spPr>
           <a:xfrm>
-            <a:off x="4684299" y="3513220"/>
-            <a:ext cx="2454443" cy="2852296"/>
+            <a:off x="2886975" y="3594550"/>
+            <a:ext cx="2454443" cy="2364822"/>
           </a:xfrm>
           <a:prstGeom prst="flowChartProcess">
             <a:avLst/>
@@ -4904,7 +4818,7 @@
           <p:cNvPr id="19" name="Straight Connector 18">
             <a:extLst>
               <a:ext uri="{FF2B5EF4-FFF2-40B4-BE49-F238E27FC236}">
-                <a16:creationId xmlns:a16="http://schemas.microsoft.com/office/drawing/2014/main" xmlns="" id="{C76315A9-6252-4BC7-B0A7-165381ACDDB7}"/>
+                <a16:creationId xmlns="" xmlns:a16="http://schemas.microsoft.com/office/drawing/2014/main" id="{C76315A9-6252-4BC7-B0A7-165381ACDDB7}"/>
               </a:ext>
             </a:extLst>
           </p:cNvPr>
@@ -4915,7 +4829,7 @@
         </p:nvCxnSpPr>
         <p:spPr>
           <a:xfrm>
-            <a:off x="4684301" y="3930316"/>
+            <a:off x="2886977" y="4277168"/>
             <a:ext cx="2454441" cy="362"/>
           </a:xfrm>
           <a:prstGeom prst="line">
@@ -4942,7 +4856,7 @@
           <p:cNvPr id="20" name="Straight Connector 19">
             <a:extLst>
               <a:ext uri="{FF2B5EF4-FFF2-40B4-BE49-F238E27FC236}">
-                <a16:creationId xmlns:a16="http://schemas.microsoft.com/office/drawing/2014/main" xmlns="" id="{AA2B77D0-6130-4701-A185-B2599B9D28F8}"/>
+                <a16:creationId xmlns="" xmlns:a16="http://schemas.microsoft.com/office/drawing/2014/main" id="{AA2B77D0-6130-4701-A185-B2599B9D28F8}"/>
               </a:ext>
             </a:extLst>
           </p:cNvPr>
@@ -4952,9 +4866,9 @@
           <p:nvPr/>
         </p:nvCxnSpPr>
         <p:spPr>
-          <a:xfrm flipV="1">
-            <a:off x="4692323" y="4838156"/>
-            <a:ext cx="2446419" cy="15680"/>
+          <a:xfrm>
+            <a:off x="2894999" y="4617346"/>
+            <a:ext cx="2446419" cy="0"/>
           </a:xfrm>
           <a:prstGeom prst="line">
             <a:avLst/>
@@ -4980,7 +4894,7 @@
           <p:cNvPr id="21" name="TextBox 20">
             <a:extLst>
               <a:ext uri="{FF2B5EF4-FFF2-40B4-BE49-F238E27FC236}">
-                <a16:creationId xmlns:a16="http://schemas.microsoft.com/office/drawing/2014/main" xmlns="" id="{03C738B6-2218-47F2-B297-482DA254D33C}"/>
+                <a16:creationId xmlns="" xmlns:a16="http://schemas.microsoft.com/office/drawing/2014/main" id="{03C738B6-2218-47F2-B297-482DA254D33C}"/>
               </a:ext>
             </a:extLst>
           </p:cNvPr>
@@ -4989,8 +4903,8 @@
         </p:nvSpPr>
         <p:spPr>
           <a:xfrm>
-            <a:off x="5037225" y="3561346"/>
-            <a:ext cx="1104661" cy="369332"/>
+            <a:off x="3287199" y="3655942"/>
+            <a:ext cx="1478803" cy="646331"/>
           </a:xfrm>
           <a:prstGeom prst="rect">
             <a:avLst/>
@@ -5004,18 +4918,33 @@
           <a:lstStyle/>
           <a:p>
             <a:r>
+              <a:rPr lang="en-IN" dirty="0" smtClean="0"/>
+              <a:t>&lt;&lt;interface&gt;&gt;</a:t>
+            </a:r>
+          </a:p>
+          <a:p>
+            <a:r>
               <a:rPr lang="en-IN" dirty="0"/>
+              <a:t> </a:t>
+            </a:r>
+            <a:r>
+              <a:rPr lang="en-IN" dirty="0" smtClean="0"/>
+              <a:t>  </a:t>
+            </a:r>
+            <a:r>
+              <a:rPr lang="en-IN" dirty="0" smtClean="0"/>
               <a:t>Container</a:t>
             </a:r>
-          </a:p>
-        </p:txBody>
-      </p:sp>
-      <p:sp>
-        <p:nvSpPr>
-          <p:cNvPr id="22" name="TextBox 21">
-            <a:extLst>
-              <a:ext uri="{FF2B5EF4-FFF2-40B4-BE49-F238E27FC236}">
-                <a16:creationId xmlns:a16="http://schemas.microsoft.com/office/drawing/2014/main" xmlns="" id="{05BF2B39-B402-40B6-8E19-5C4EA66AD4CA}"/>
+            <a:endParaRPr lang="en-IN" dirty="0"/>
+          </a:p>
+        </p:txBody>
+      </p:sp>
+      <p:sp>
+        <p:nvSpPr>
+          <p:cNvPr id="23" name="TextBox 22">
+            <a:extLst>
+              <a:ext uri="{FF2B5EF4-FFF2-40B4-BE49-F238E27FC236}">
+                <a16:creationId xmlns="" xmlns:a16="http://schemas.microsoft.com/office/drawing/2014/main" id="{EDA90F40-F3C7-4A9C-BA05-87C60F2C3980}"/>
               </a:ext>
             </a:extLst>
           </p:cNvPr>
@@ -5024,66 +4953,8 @@
         </p:nvSpPr>
         <p:spPr>
           <a:xfrm>
-            <a:off x="4644193" y="3970418"/>
-            <a:ext cx="1742465" cy="830997"/>
-          </a:xfrm>
-          <a:prstGeom prst="rect">
-            <a:avLst/>
-          </a:prstGeom>
-          <a:noFill/>
-        </p:spPr>
-        <p:txBody>
-          <a:bodyPr wrap="none" rtlCol="0">
-            <a:spAutoFit/>
-          </a:bodyPr>
-          <a:lstStyle/>
-          <a:p>
-            <a:r>
-              <a:rPr lang="en-IN" sz="1600" dirty="0" smtClean="0"/>
-              <a:t>+type</a:t>
-            </a:r>
-            <a:endParaRPr lang="en-IN" sz="1600" dirty="0"/>
-          </a:p>
-          <a:p>
-            <a:r>
-              <a:rPr lang="en-IN" sz="1600" dirty="0" smtClean="0"/>
-              <a:t>+</a:t>
-            </a:r>
-            <a:r>
-              <a:rPr lang="en-IN" sz="1600" dirty="0" err="1" smtClean="0"/>
-              <a:t>totalQuantity</a:t>
-            </a:r>
-            <a:endParaRPr lang="en-IN" sz="1600" dirty="0"/>
-          </a:p>
-          <a:p>
-            <a:r>
-              <a:rPr lang="en-IN" sz="1600" dirty="0" smtClean="0"/>
-              <a:t>+</a:t>
-            </a:r>
-            <a:r>
-              <a:rPr lang="en-IN" sz="1600" dirty="0" err="1" smtClean="0"/>
-              <a:t>availableQuantity</a:t>
-            </a:r>
-            <a:endParaRPr lang="en-IN" sz="1600" dirty="0"/>
-          </a:p>
-        </p:txBody>
-      </p:sp>
-      <p:sp>
-        <p:nvSpPr>
-          <p:cNvPr id="23" name="TextBox 22">
-            <a:extLst>
-              <a:ext uri="{FF2B5EF4-FFF2-40B4-BE49-F238E27FC236}">
-                <a16:creationId xmlns:a16="http://schemas.microsoft.com/office/drawing/2014/main" xmlns="" id="{EDA90F40-F3C7-4A9C-BA05-87C60F2C3980}"/>
-              </a:ext>
-            </a:extLst>
-          </p:cNvPr>
-          <p:cNvSpPr txBox="1"/>
-          <p:nvPr/>
-        </p:nvSpPr>
-        <p:spPr>
-          <a:xfrm>
-            <a:off x="4644192" y="4888188"/>
-            <a:ext cx="2494549" cy="1323439"/>
+            <a:off x="2862634" y="4635932"/>
+            <a:ext cx="2711676" cy="1323439"/>
           </a:xfrm>
           <a:prstGeom prst="rect">
             <a:avLst/>
@@ -5102,7 +4973,52 @@
             </a:r>
             <a:r>
               <a:rPr lang="en-IN" sz="1600" dirty="0" err="1" smtClean="0"/>
-              <a:t>checkQuantity</a:t>
+              <a:t>checkAvailability</a:t>
+            </a:r>
+            <a:r>
+              <a:rPr lang="en-IN" sz="1600" dirty="0" smtClean="0"/>
+              <a:t>()</a:t>
+            </a:r>
+            <a:endParaRPr lang="en-IN" sz="1600" dirty="0"/>
+          </a:p>
+          <a:p>
+            <a:r>
+              <a:rPr lang="en-IN" sz="1600" dirty="0" smtClean="0"/>
+              <a:t>+</a:t>
+            </a:r>
+            <a:r>
+              <a:rPr lang="en-IN" sz="1600" dirty="0" err="1" smtClean="0"/>
+              <a:t>updateContainerCapacity</a:t>
+            </a:r>
+            <a:r>
+              <a:rPr lang="en-IN" sz="1600" dirty="0" smtClean="0"/>
+              <a:t>()</a:t>
+            </a:r>
+            <a:endParaRPr lang="en-IN" sz="1600" dirty="0"/>
+          </a:p>
+          <a:p>
+            <a:r>
+              <a:rPr lang="en-IN" sz="1600" dirty="0" smtClean="0"/>
+              <a:t>+</a:t>
+            </a:r>
+            <a:r>
+              <a:rPr lang="en-IN" sz="1600" dirty="0" err="1" smtClean="0"/>
+              <a:t>resetContainer</a:t>
+            </a:r>
+            <a:r>
+              <a:rPr lang="en-IN" sz="1600" dirty="0" smtClean="0"/>
+              <a:t>()</a:t>
+            </a:r>
+            <a:endParaRPr lang="en-IN" sz="1600" dirty="0"/>
+          </a:p>
+          <a:p>
+            <a:r>
+              <a:rPr lang="en-IN" sz="1600" dirty="0" smtClean="0"/>
+              <a:t>+</a:t>
+            </a:r>
+            <a:r>
+              <a:rPr lang="en-IN" sz="1600" dirty="0" err="1" smtClean="0"/>
+              <a:t>containersStatus</a:t>
             </a:r>
             <a:r>
               <a:rPr lang="en-IN" sz="1600" dirty="0"/>
@@ -5116,55 +5032,13 @@
             </a:r>
             <a:r>
               <a:rPr lang="en-IN" sz="1600" dirty="0" err="1" smtClean="0"/>
-              <a:t>decreaseQuantity</a:t>
+              <a:t>updateRefillingCounter</a:t>
             </a:r>
             <a:r>
               <a:rPr lang="en-IN" sz="1600" dirty="0"/>
               <a:t>()</a:t>
             </a:r>
           </a:p>
-          <a:p>
-            <a:r>
-              <a:rPr lang="en-IN" sz="1600" dirty="0" smtClean="0"/>
-              <a:t>+</a:t>
-            </a:r>
-            <a:r>
-              <a:rPr lang="en-IN" sz="1600" dirty="0" err="1" smtClean="0"/>
-              <a:t>resetContainer</a:t>
-            </a:r>
-            <a:r>
-              <a:rPr lang="en-IN" sz="1600" dirty="0"/>
-              <a:t>()</a:t>
-            </a:r>
-          </a:p>
-          <a:p>
-            <a:r>
-              <a:rPr lang="en-IN" sz="1600" dirty="0" smtClean="0"/>
-              <a:t>+</a:t>
-            </a:r>
-            <a:r>
-              <a:rPr lang="en-IN" sz="1600" dirty="0" err="1" smtClean="0"/>
-              <a:t>containerStatus</a:t>
-            </a:r>
-            <a:r>
-              <a:rPr lang="en-IN" sz="1600" dirty="0"/>
-              <a:t>()</a:t>
-            </a:r>
-          </a:p>
-          <a:p>
-            <a:r>
-              <a:rPr lang="en-IN" sz="1600" dirty="0" smtClean="0"/>
-              <a:t>+</a:t>
-            </a:r>
-            <a:r>
-              <a:rPr lang="en-IN" sz="1600" dirty="0" err="1" smtClean="0"/>
-              <a:t>updateRefillingCounter</a:t>
-            </a:r>
-            <a:r>
-              <a:rPr lang="en-IN" sz="1600" dirty="0"/>
-              <a:t>()</a:t>
-            </a:r>
-          </a:p>
         </p:txBody>
       </p:sp>
       <p:sp>
@@ -5172,7 +5046,7 @@
           <p:cNvPr id="24" name="Flowchart: Process 23">
             <a:extLst>
               <a:ext uri="{FF2B5EF4-FFF2-40B4-BE49-F238E27FC236}">
-                <a16:creationId xmlns:a16="http://schemas.microsoft.com/office/drawing/2014/main" xmlns="" id="{74F3BE86-ED79-479F-A311-39DB5BA1AB48}"/>
+                <a16:creationId xmlns="" xmlns:a16="http://schemas.microsoft.com/office/drawing/2014/main" id="{74F3BE86-ED79-479F-A311-39DB5BA1AB48}"/>
               </a:ext>
             </a:extLst>
           </p:cNvPr>
@@ -5181,8 +5055,8 @@
         </p:nvSpPr>
         <p:spPr>
           <a:xfrm>
-            <a:off x="4347413" y="320834"/>
-            <a:ext cx="2454443" cy="1982874"/>
+            <a:off x="4347413" y="126124"/>
+            <a:ext cx="2163746" cy="2008307"/>
           </a:xfrm>
           <a:prstGeom prst="flowChartProcess">
             <a:avLst/>
@@ -5221,7 +5095,7 @@
           <p:cNvPr id="25" name="Straight Connector 24">
             <a:extLst>
               <a:ext uri="{FF2B5EF4-FFF2-40B4-BE49-F238E27FC236}">
-                <a16:creationId xmlns:a16="http://schemas.microsoft.com/office/drawing/2014/main" xmlns="" id="{437A2497-5D87-4560-990A-FCC9BC59DCBA}"/>
+                <a16:creationId xmlns="" xmlns:a16="http://schemas.microsoft.com/office/drawing/2014/main" id="{437A2497-5D87-4560-990A-FCC9BC59DCBA}"/>
               </a:ext>
             </a:extLst>
           </p:cNvPr>
@@ -5231,9 +5105,9 @@
           <p:nvPr/>
         </p:nvCxnSpPr>
         <p:spPr>
-          <a:xfrm>
-            <a:off x="4347415" y="737930"/>
-            <a:ext cx="2454441" cy="362"/>
+          <a:xfrm flipV="1">
+            <a:off x="4347415" y="731865"/>
+            <a:ext cx="2163744" cy="6066"/>
           </a:xfrm>
           <a:prstGeom prst="line">
             <a:avLst/>
@@ -5259,7 +5133,7 @@
           <p:cNvPr id="26" name="Straight Connector 25">
             <a:extLst>
               <a:ext uri="{FF2B5EF4-FFF2-40B4-BE49-F238E27FC236}">
-                <a16:creationId xmlns:a16="http://schemas.microsoft.com/office/drawing/2014/main" xmlns="" id="{FB118190-05A6-4155-BB27-962C6DB504B0}"/>
+                <a16:creationId xmlns="" xmlns:a16="http://schemas.microsoft.com/office/drawing/2014/main" id="{FB118190-05A6-4155-BB27-962C6DB504B0}"/>
               </a:ext>
             </a:extLst>
           </p:cNvPr>
@@ -5269,9 +5143,9 @@
           <p:nvPr/>
         </p:nvCxnSpPr>
         <p:spPr>
-          <a:xfrm flipV="1">
-            <a:off x="4355437" y="1614238"/>
-            <a:ext cx="2446419" cy="15680"/>
+          <a:xfrm>
+            <a:off x="4355437" y="1093874"/>
+            <a:ext cx="2155722" cy="2820"/>
           </a:xfrm>
           <a:prstGeom prst="line">
             <a:avLst/>
@@ -5297,7 +5171,7 @@
           <p:cNvPr id="27" name="TextBox 26">
             <a:extLst>
               <a:ext uri="{FF2B5EF4-FFF2-40B4-BE49-F238E27FC236}">
-                <a16:creationId xmlns:a16="http://schemas.microsoft.com/office/drawing/2014/main" xmlns="" id="{352BBB59-A8CB-443E-A53C-270E903BD5CC}"/>
+                <a16:creationId xmlns="" xmlns:a16="http://schemas.microsoft.com/office/drawing/2014/main" id="{352BBB59-A8CB-443E-A53C-270E903BD5CC}"/>
               </a:ext>
             </a:extLst>
           </p:cNvPr>
@@ -5306,8 +5180,8 @@
         </p:nvSpPr>
         <p:spPr>
           <a:xfrm>
-            <a:off x="4700339" y="368960"/>
-            <a:ext cx="821828" cy="369332"/>
+            <a:off x="4558445" y="116704"/>
+            <a:ext cx="1478803" cy="646331"/>
           </a:xfrm>
           <a:prstGeom prst="rect">
             <a:avLst/>
@@ -5321,9 +5195,16 @@
           <a:lstStyle/>
           <a:p>
             <a:r>
-              <a:rPr lang="en-IN" dirty="0"/>
-              <a:t>Report</a:t>
-            </a:r>
+              <a:rPr lang="en-IN" dirty="0" smtClean="0"/>
+              <a:t>&lt;&lt;interface&gt;&gt;</a:t>
+            </a:r>
+          </a:p>
+          <a:p>
+            <a:r>
+              <a:rPr lang="en-IN" dirty="0" smtClean="0"/>
+              <a:t>     Report</a:t>
+            </a:r>
+            <a:endParaRPr lang="en-IN" dirty="0"/>
           </a:p>
         </p:txBody>
       </p:sp>
@@ -5332,7 +5213,7 @@
           <p:cNvPr id="28" name="TextBox 27">
             <a:extLst>
               <a:ext uri="{FF2B5EF4-FFF2-40B4-BE49-F238E27FC236}">
-                <a16:creationId xmlns:a16="http://schemas.microsoft.com/office/drawing/2014/main" xmlns="" id="{6135AA39-7A4A-4AFD-B7DA-8D8F50702DAC}"/>
+                <a16:creationId xmlns="" xmlns:a16="http://schemas.microsoft.com/office/drawing/2014/main" id="{6135AA39-7A4A-4AFD-B7DA-8D8F50702DAC}"/>
               </a:ext>
             </a:extLst>
           </p:cNvPr>
@@ -5342,7 +5223,7 @@
         <p:spPr>
           <a:xfrm>
             <a:off x="4307307" y="778032"/>
-            <a:ext cx="1688283" cy="1077218"/>
+            <a:ext cx="445956" cy="338554"/>
           </a:xfrm>
           <a:prstGeom prst="rect">
             <a:avLst/>
@@ -5357,35 +5238,10 @@
           <a:p>
             <a:r>
               <a:rPr lang="en-IN" sz="1600" dirty="0" smtClean="0"/>
-              <a:t>+</a:t>
-            </a:r>
-            <a:r>
-              <a:rPr lang="en-IN" sz="1600" dirty="0" err="1" smtClean="0"/>
-              <a:t>productType</a:t>
+              <a:t>+Id</a:t>
             </a:r>
             <a:endParaRPr lang="en-IN" sz="1600" dirty="0"/>
           </a:p>
-          <a:p>
-            <a:r>
-              <a:rPr lang="en-IN" sz="1600" dirty="0" smtClean="0"/>
-              <a:t>+quantity</a:t>
-            </a:r>
-            <a:endParaRPr lang="en-IN" sz="1600" dirty="0"/>
-          </a:p>
-          <a:p>
-            <a:r>
-              <a:rPr lang="en-IN" sz="1600" dirty="0" smtClean="0"/>
-              <a:t>+</a:t>
-            </a:r>
-            <a:r>
-              <a:rPr lang="en-IN" sz="1600" dirty="0" err="1" smtClean="0"/>
-              <a:t>totalSaleAmount</a:t>
-            </a:r>
-            <a:endParaRPr lang="en-IN" sz="1600" dirty="0"/>
-          </a:p>
-          <a:p>
-            <a:endParaRPr lang="en-IN" sz="1600" dirty="0"/>
-          </a:p>
         </p:txBody>
       </p:sp>
       <p:sp>
@@ -5393,7 +5249,7 @@
           <p:cNvPr id="29" name="TextBox 28">
             <a:extLst>
               <a:ext uri="{FF2B5EF4-FFF2-40B4-BE49-F238E27FC236}">
-                <a16:creationId xmlns:a16="http://schemas.microsoft.com/office/drawing/2014/main" xmlns="" id="{2979947C-563F-40E1-934A-49217B706061}"/>
+                <a16:creationId xmlns="" xmlns:a16="http://schemas.microsoft.com/office/drawing/2014/main" id="{2979947C-563F-40E1-934A-49217B706061}"/>
               </a:ext>
             </a:extLst>
           </p:cNvPr>
@@ -5402,8 +5258,8 @@
         </p:nvSpPr>
         <p:spPr>
           <a:xfrm>
-            <a:off x="4307307" y="1632738"/>
-            <a:ext cx="2446420" cy="584775"/>
+            <a:off x="4307307" y="1065162"/>
+            <a:ext cx="2446420" cy="1323439"/>
           </a:xfrm>
           <a:prstGeom prst="rect">
             <a:avLst/>
@@ -5436,12 +5292,1098 @@
             </a:r>
             <a:r>
               <a:rPr lang="en-IN" sz="1600" dirty="0" err="1" smtClean="0"/>
-              <a:t>dispenseProduct</a:t>
-            </a:r>
+              <a:t>drinkWiseReport</a:t>
+            </a:r>
+            <a:r>
+              <a:rPr lang="en-IN" sz="1600" dirty="0" smtClean="0"/>
+              <a:t>()</a:t>
+            </a:r>
+          </a:p>
+          <a:p>
+            <a:r>
+              <a:rPr lang="en-US" sz="1600" dirty="0" smtClean="0"/>
+              <a:t>+</a:t>
+            </a:r>
+            <a:r>
+              <a:rPr lang="en-US" sz="1600" dirty="0" err="1" smtClean="0"/>
+              <a:t>containerStatusReport</a:t>
+            </a:r>
+            <a:r>
+              <a:rPr lang="en-US" sz="1600" dirty="0" smtClean="0"/>
+              <a:t>()</a:t>
+            </a:r>
+          </a:p>
+          <a:p>
+            <a:r>
+              <a:rPr lang="en-US" sz="1600" dirty="0" smtClean="0"/>
+              <a:t>+</a:t>
+            </a:r>
+            <a:r>
+              <a:rPr lang="en-US" sz="1600" dirty="0" err="1" smtClean="0"/>
+              <a:t>refillingCounterReport</a:t>
+            </a:r>
+            <a:r>
+              <a:rPr lang="en-US" sz="1600" dirty="0" smtClean="0"/>
+              <a:t>()</a:t>
+            </a:r>
+          </a:p>
+          <a:p>
+            <a:endParaRPr lang="en-IN" sz="1600" dirty="0"/>
+          </a:p>
+        </p:txBody>
+      </p:sp>
+      <p:cxnSp>
+        <p:nvCxnSpPr>
+          <p:cNvPr id="5" name="Elbow Connector 4"/>
+          <p:cNvCxnSpPr>
+            <a:stCxn id="2" idx="3"/>
+            <a:endCxn id="24" idx="1"/>
+          </p:cNvCxnSpPr>
+          <p:nvPr/>
+        </p:nvCxnSpPr>
+        <p:spPr>
+          <a:xfrm flipV="1">
+            <a:off x="3579353" y="1130278"/>
+            <a:ext cx="768060" cy="1137190"/>
+          </a:xfrm>
+          <a:prstGeom prst="bentConnector3">
+            <a:avLst/>
+          </a:prstGeom>
+        </p:spPr>
+        <p:style>
+          <a:lnRef idx="1">
+            <a:schemeClr val="accent1"/>
+          </a:lnRef>
+          <a:fillRef idx="0">
+            <a:schemeClr val="accent1"/>
+          </a:fillRef>
+          <a:effectRef idx="0">
+            <a:schemeClr val="accent1"/>
+          </a:effectRef>
+          <a:fontRef idx="minor">
+            <a:schemeClr val="tx1"/>
+          </a:fontRef>
+        </p:style>
+      </p:cxnSp>
+      <p:cxnSp>
+        <p:nvCxnSpPr>
+          <p:cNvPr id="11" name="Elbow Connector 10"/>
+          <p:cNvCxnSpPr/>
+          <p:nvPr/>
+        </p:nvCxnSpPr>
+        <p:spPr>
+          <a:xfrm>
+            <a:off x="3579353" y="2591387"/>
+            <a:ext cx="3365693" cy="540946"/>
+          </a:xfrm>
+          <a:prstGeom prst="bentConnector3">
+            <a:avLst>
+              <a:gd name="adj1" fmla="val 50000"/>
+            </a:avLst>
+          </a:prstGeom>
+        </p:spPr>
+        <p:style>
+          <a:lnRef idx="1">
+            <a:schemeClr val="accent1"/>
+          </a:lnRef>
+          <a:fillRef idx="0">
+            <a:schemeClr val="accent1"/>
+          </a:fillRef>
+          <a:effectRef idx="0">
+            <a:schemeClr val="accent1"/>
+          </a:effectRef>
+          <a:fontRef idx="minor">
+            <a:schemeClr val="tx1"/>
+          </a:fontRef>
+        </p:style>
+      </p:cxnSp>
+      <p:cxnSp>
+        <p:nvCxnSpPr>
+          <p:cNvPr id="32" name="Elbow Connector 31"/>
+          <p:cNvCxnSpPr>
+            <a:stCxn id="2" idx="2"/>
+            <a:endCxn id="18" idx="1"/>
+          </p:cNvCxnSpPr>
+          <p:nvPr/>
+        </p:nvCxnSpPr>
+        <p:spPr>
+          <a:xfrm rot="16200000" flipH="1">
+            <a:off x="1744562" y="3634548"/>
+            <a:ext cx="1749982" cy="534843"/>
+          </a:xfrm>
+          <a:prstGeom prst="bentConnector2">
+            <a:avLst/>
+          </a:prstGeom>
+        </p:spPr>
+        <p:style>
+          <a:lnRef idx="1">
+            <a:schemeClr val="accent1"/>
+          </a:lnRef>
+          <a:fillRef idx="0">
+            <a:schemeClr val="accent1"/>
+          </a:fillRef>
+          <a:effectRef idx="0">
+            <a:schemeClr val="accent1"/>
+          </a:effectRef>
+          <a:fontRef idx="minor">
+            <a:schemeClr val="tx1"/>
+          </a:fontRef>
+        </p:style>
+      </p:cxnSp>
+      <p:sp>
+        <p:nvSpPr>
+          <p:cNvPr id="58" name="Flowchart: Process 57">
+            <a:extLst>
+              <a:ext uri="{FF2B5EF4-FFF2-40B4-BE49-F238E27FC236}">
+                <a16:creationId xmlns="" xmlns:a16="http://schemas.microsoft.com/office/drawing/2014/main" id="{05BC9A74-6897-417B-879A-BE45C58A2511}"/>
+              </a:ext>
+            </a:extLst>
+          </p:cNvPr>
+          <p:cNvSpPr/>
+          <p:nvPr/>
+        </p:nvSpPr>
+        <p:spPr>
+          <a:xfrm>
+            <a:off x="5940319" y="4882102"/>
+            <a:ext cx="2121285" cy="1616426"/>
+          </a:xfrm>
+          <a:prstGeom prst="flowChartProcess">
+            <a:avLst/>
+          </a:prstGeom>
+          <a:ln>
+            <a:solidFill>
+              <a:schemeClr val="tx1"/>
+            </a:solidFill>
+          </a:ln>
+        </p:spPr>
+        <p:style>
+          <a:lnRef idx="2">
+            <a:schemeClr val="accent6"/>
+          </a:lnRef>
+          <a:fillRef idx="1">
+            <a:schemeClr val="lt1"/>
+          </a:fillRef>
+          <a:effectRef idx="0">
+            <a:schemeClr val="accent6"/>
+          </a:effectRef>
+          <a:fontRef idx="minor">
+            <a:schemeClr val="dk1"/>
+          </a:fontRef>
+        </p:style>
+        <p:txBody>
+          <a:bodyPr rtlCol="0" anchor="ctr"/>
+          <a:lstStyle/>
+          <a:p>
+            <a:pPr algn="ctr"/>
+            <a:endParaRPr lang="en-IN" dirty="0"/>
+          </a:p>
+        </p:txBody>
+      </p:sp>
+      <p:cxnSp>
+        <p:nvCxnSpPr>
+          <p:cNvPr id="59" name="Straight Connector 58">
+            <a:extLst>
+              <a:ext uri="{FF2B5EF4-FFF2-40B4-BE49-F238E27FC236}">
+                <a16:creationId xmlns="" xmlns:a16="http://schemas.microsoft.com/office/drawing/2014/main" id="{C76315A9-6252-4BC7-B0A7-165381ACDDB7}"/>
+              </a:ext>
+            </a:extLst>
+          </p:cNvPr>
+          <p:cNvCxnSpPr>
+            <a:cxnSpLocks/>
+          </p:cNvCxnSpPr>
+          <p:nvPr/>
+        </p:nvCxnSpPr>
+        <p:spPr>
+          <a:xfrm>
+            <a:off x="5940321" y="5312464"/>
+            <a:ext cx="2125294" cy="362"/>
+          </a:xfrm>
+          <a:prstGeom prst="line">
+            <a:avLst/>
+          </a:prstGeom>
+        </p:spPr>
+        <p:style>
+          <a:lnRef idx="1">
+            <a:schemeClr val="dk1"/>
+          </a:lnRef>
+          <a:fillRef idx="0">
+            <a:schemeClr val="dk1"/>
+          </a:fillRef>
+          <a:effectRef idx="0">
+            <a:schemeClr val="dk1"/>
+          </a:effectRef>
+          <a:fontRef idx="minor">
+            <a:schemeClr val="tx1"/>
+          </a:fontRef>
+        </p:style>
+      </p:cxnSp>
+      <p:cxnSp>
+        <p:nvCxnSpPr>
+          <p:cNvPr id="60" name="Straight Connector 59">
+            <a:extLst>
+              <a:ext uri="{FF2B5EF4-FFF2-40B4-BE49-F238E27FC236}">
+                <a16:creationId xmlns="" xmlns:a16="http://schemas.microsoft.com/office/drawing/2014/main" id="{AA2B77D0-6130-4701-A185-B2599B9D28F8}"/>
+              </a:ext>
+            </a:extLst>
+          </p:cNvPr>
+          <p:cNvCxnSpPr>
+            <a:cxnSpLocks/>
+          </p:cNvCxnSpPr>
+          <p:nvPr/>
+        </p:nvCxnSpPr>
+        <p:spPr>
+          <a:xfrm>
+            <a:off x="5948343" y="6157154"/>
+            <a:ext cx="2113261" cy="2820"/>
+          </a:xfrm>
+          <a:prstGeom prst="line">
+            <a:avLst/>
+          </a:prstGeom>
+        </p:spPr>
+        <p:style>
+          <a:lnRef idx="1">
+            <a:schemeClr val="dk1"/>
+          </a:lnRef>
+          <a:fillRef idx="0">
+            <a:schemeClr val="dk1"/>
+          </a:fillRef>
+          <a:effectRef idx="0">
+            <a:schemeClr val="dk1"/>
+          </a:effectRef>
+          <a:fontRef idx="minor">
+            <a:schemeClr val="tx1"/>
+          </a:fontRef>
+        </p:style>
+      </p:cxnSp>
+      <p:sp>
+        <p:nvSpPr>
+          <p:cNvPr id="61" name="TextBox 60">
+            <a:extLst>
+              <a:ext uri="{FF2B5EF4-FFF2-40B4-BE49-F238E27FC236}">
+                <a16:creationId xmlns="" xmlns:a16="http://schemas.microsoft.com/office/drawing/2014/main" id="{03C738B6-2218-47F2-B297-482DA254D33C}"/>
+              </a:ext>
+            </a:extLst>
+          </p:cNvPr>
+          <p:cNvSpPr txBox="1"/>
+          <p:nvPr/>
+        </p:nvSpPr>
+        <p:spPr>
+          <a:xfrm>
+            <a:off x="5993691" y="4943494"/>
+            <a:ext cx="1733039" cy="369332"/>
+          </a:xfrm>
+          <a:prstGeom prst="rect">
+            <a:avLst/>
+          </a:prstGeom>
+          <a:noFill/>
+        </p:spPr>
+        <p:txBody>
+          <a:bodyPr wrap="none" rtlCol="0">
+            <a:spAutoFit/>
+          </a:bodyPr>
+          <a:lstStyle/>
+          <a:p>
+            <a:r>
+              <a:rPr lang="en-IN" dirty="0" smtClean="0"/>
+              <a:t>    </a:t>
+            </a:r>
+            <a:r>
+              <a:rPr lang="en-IN" dirty="0" err="1" smtClean="0"/>
+              <a:t>ContainerImpl</a:t>
+            </a:r>
+            <a:endParaRPr lang="en-IN" dirty="0"/>
+          </a:p>
+        </p:txBody>
+      </p:sp>
+      <p:sp>
+        <p:nvSpPr>
+          <p:cNvPr id="62" name="TextBox 61">
+            <a:extLst>
+              <a:ext uri="{FF2B5EF4-FFF2-40B4-BE49-F238E27FC236}">
+                <a16:creationId xmlns="" xmlns:a16="http://schemas.microsoft.com/office/drawing/2014/main" id="{05BF2B39-B402-40B6-8E19-5C4EA66AD4CA}"/>
+              </a:ext>
+            </a:extLst>
+          </p:cNvPr>
+          <p:cNvSpPr txBox="1"/>
+          <p:nvPr/>
+        </p:nvSpPr>
+        <p:spPr>
+          <a:xfrm>
+            <a:off x="5900213" y="5321034"/>
+            <a:ext cx="1702389" cy="830997"/>
+          </a:xfrm>
+          <a:prstGeom prst="rect">
+            <a:avLst/>
+          </a:prstGeom>
+          <a:noFill/>
+        </p:spPr>
+        <p:txBody>
+          <a:bodyPr wrap="none" rtlCol="0">
+            <a:spAutoFit/>
+          </a:bodyPr>
+          <a:lstStyle/>
+          <a:p>
             <a:r>
               <a:rPr lang="en-IN" sz="1600" dirty="0"/>
+              <a:t>-</a:t>
+            </a:r>
+            <a:r>
+              <a:rPr lang="en-IN" sz="1600" dirty="0" smtClean="0"/>
+              <a:t>type</a:t>
+            </a:r>
+            <a:endParaRPr lang="en-IN" sz="1600" dirty="0"/>
+          </a:p>
+          <a:p>
+            <a:r>
+              <a:rPr lang="en-IN" sz="1600" dirty="0"/>
+              <a:t>-</a:t>
+            </a:r>
+            <a:r>
+              <a:rPr lang="en-IN" sz="1600" dirty="0" err="1" smtClean="0"/>
+              <a:t>totalQuantity</a:t>
+            </a:r>
+            <a:endParaRPr lang="en-IN" sz="1600" dirty="0"/>
+          </a:p>
+          <a:p>
+            <a:r>
+              <a:rPr lang="en-IN" sz="1600" dirty="0"/>
+              <a:t>-</a:t>
+            </a:r>
+            <a:r>
+              <a:rPr lang="en-IN" sz="1600" dirty="0" err="1" smtClean="0"/>
+              <a:t>availableQuantity</a:t>
+            </a:r>
+            <a:endParaRPr lang="en-IN" sz="1600" dirty="0"/>
+          </a:p>
+        </p:txBody>
+      </p:sp>
+      <p:sp>
+        <p:nvSpPr>
+          <p:cNvPr id="63" name="TextBox 62">
+            <a:extLst>
+              <a:ext uri="{FF2B5EF4-FFF2-40B4-BE49-F238E27FC236}">
+                <a16:creationId xmlns="" xmlns:a16="http://schemas.microsoft.com/office/drawing/2014/main" id="{EDA90F40-F3C7-4A9C-BA05-87C60F2C3980}"/>
+              </a:ext>
+            </a:extLst>
+          </p:cNvPr>
+          <p:cNvSpPr txBox="1"/>
+          <p:nvPr/>
+        </p:nvSpPr>
+        <p:spPr>
+          <a:xfrm>
+            <a:off x="5900212" y="6159974"/>
+            <a:ext cx="2711676" cy="338554"/>
+          </a:xfrm>
+          <a:prstGeom prst="rect">
+            <a:avLst/>
+          </a:prstGeom>
+          <a:noFill/>
+        </p:spPr>
+        <p:txBody>
+          <a:bodyPr wrap="square" rtlCol="0">
+            <a:spAutoFit/>
+          </a:bodyPr>
+          <a:lstStyle/>
+          <a:p>
+            <a:r>
+              <a:rPr lang="en-IN" sz="1600" dirty="0"/>
+              <a:t>-</a:t>
+            </a:r>
+            <a:r>
+              <a:rPr lang="en-IN" sz="1600" dirty="0" err="1" smtClean="0"/>
+              <a:t>updateCapacity</a:t>
+            </a:r>
+            <a:r>
+              <a:rPr lang="en-IN" sz="1600" dirty="0" smtClean="0"/>
               <a:t>()</a:t>
             </a:r>
+            <a:endParaRPr lang="en-IN" sz="1600" dirty="0"/>
+          </a:p>
+        </p:txBody>
+      </p:sp>
+      <p:sp>
+        <p:nvSpPr>
+          <p:cNvPr id="74" name="Flowchart: Process 73">
+            <a:extLst>
+              <a:ext uri="{FF2B5EF4-FFF2-40B4-BE49-F238E27FC236}">
+                <a16:creationId xmlns="" xmlns:a16="http://schemas.microsoft.com/office/drawing/2014/main" id="{F793EF35-83C8-4D26-92EA-AB02CDD4155D}"/>
+              </a:ext>
+            </a:extLst>
+          </p:cNvPr>
+          <p:cNvSpPr/>
+          <p:nvPr/>
+        </p:nvSpPr>
+        <p:spPr>
+          <a:xfrm>
+            <a:off x="9351476" y="4100242"/>
+            <a:ext cx="2202600" cy="1636290"/>
+          </a:xfrm>
+          <a:prstGeom prst="flowChartProcess">
+            <a:avLst/>
+          </a:prstGeom>
+          <a:ln>
+            <a:solidFill>
+              <a:schemeClr val="tx1"/>
+            </a:solidFill>
+          </a:ln>
+        </p:spPr>
+        <p:style>
+          <a:lnRef idx="2">
+            <a:schemeClr val="accent6"/>
+          </a:lnRef>
+          <a:fillRef idx="1">
+            <a:schemeClr val="lt1"/>
+          </a:fillRef>
+          <a:effectRef idx="0">
+            <a:schemeClr val="accent6"/>
+          </a:effectRef>
+          <a:fontRef idx="minor">
+            <a:schemeClr val="dk1"/>
+          </a:fontRef>
+        </p:style>
+        <p:txBody>
+          <a:bodyPr rtlCol="0" anchor="ctr"/>
+          <a:lstStyle/>
+          <a:p>
+            <a:pPr algn="ctr"/>
+            <a:endParaRPr lang="en-IN" dirty="0"/>
+          </a:p>
+        </p:txBody>
+      </p:sp>
+      <p:cxnSp>
+        <p:nvCxnSpPr>
+          <p:cNvPr id="75" name="Straight Connector 74">
+            <a:extLst>
+              <a:ext uri="{FF2B5EF4-FFF2-40B4-BE49-F238E27FC236}">
+                <a16:creationId xmlns="" xmlns:a16="http://schemas.microsoft.com/office/drawing/2014/main" id="{E292266B-CAC0-44DB-97FB-9385B9C2B7CA}"/>
+              </a:ext>
+            </a:extLst>
+          </p:cNvPr>
+          <p:cNvCxnSpPr>
+            <a:cxnSpLocks/>
+          </p:cNvCxnSpPr>
+          <p:nvPr/>
+        </p:nvCxnSpPr>
+        <p:spPr>
+          <a:xfrm>
+            <a:off x="9351477" y="4546100"/>
+            <a:ext cx="2202599" cy="0"/>
+          </a:xfrm>
+          <a:prstGeom prst="line">
+            <a:avLst/>
+          </a:prstGeom>
+        </p:spPr>
+        <p:style>
+          <a:lnRef idx="1">
+            <a:schemeClr val="dk1"/>
+          </a:lnRef>
+          <a:fillRef idx="0">
+            <a:schemeClr val="dk1"/>
+          </a:fillRef>
+          <a:effectRef idx="0">
+            <a:schemeClr val="dk1"/>
+          </a:effectRef>
+          <a:fontRef idx="minor">
+            <a:schemeClr val="tx1"/>
+          </a:fontRef>
+        </p:style>
+      </p:cxnSp>
+      <p:cxnSp>
+        <p:nvCxnSpPr>
+          <p:cNvPr id="76" name="Straight Connector 75">
+            <a:extLst>
+              <a:ext uri="{FF2B5EF4-FFF2-40B4-BE49-F238E27FC236}">
+                <a16:creationId xmlns="" xmlns:a16="http://schemas.microsoft.com/office/drawing/2014/main" id="{7B9E7832-0532-413B-9B11-EFE3E1832750}"/>
+              </a:ext>
+            </a:extLst>
+          </p:cNvPr>
+          <p:cNvCxnSpPr>
+            <a:cxnSpLocks/>
+          </p:cNvCxnSpPr>
+          <p:nvPr/>
+        </p:nvCxnSpPr>
+        <p:spPr>
+          <a:xfrm flipV="1">
+            <a:off x="9359499" y="5335652"/>
+            <a:ext cx="2194577" cy="7840"/>
+          </a:xfrm>
+          <a:prstGeom prst="line">
+            <a:avLst/>
+          </a:prstGeom>
+        </p:spPr>
+        <p:style>
+          <a:lnRef idx="1">
+            <a:schemeClr val="dk1"/>
+          </a:lnRef>
+          <a:fillRef idx="0">
+            <a:schemeClr val="dk1"/>
+          </a:fillRef>
+          <a:effectRef idx="0">
+            <a:schemeClr val="dk1"/>
+          </a:effectRef>
+          <a:fontRef idx="minor">
+            <a:schemeClr val="tx1"/>
+          </a:fontRef>
+        </p:style>
+      </p:cxnSp>
+      <p:sp>
+        <p:nvSpPr>
+          <p:cNvPr id="77" name="TextBox 76">
+            <a:extLst>
+              <a:ext uri="{FF2B5EF4-FFF2-40B4-BE49-F238E27FC236}">
+                <a16:creationId xmlns="" xmlns:a16="http://schemas.microsoft.com/office/drawing/2014/main" id="{E535D3A1-D340-49E5-9604-CE3EF8A374FA}"/>
+              </a:ext>
+            </a:extLst>
+          </p:cNvPr>
+          <p:cNvSpPr txBox="1"/>
+          <p:nvPr/>
+        </p:nvSpPr>
+        <p:spPr>
+          <a:xfrm>
+            <a:off x="9310251" y="4139982"/>
+            <a:ext cx="2266454" cy="369332"/>
+          </a:xfrm>
+          <a:prstGeom prst="rect">
+            <a:avLst/>
+          </a:prstGeom>
+          <a:noFill/>
+        </p:spPr>
+        <p:txBody>
+          <a:bodyPr wrap="none" rtlCol="0">
+            <a:spAutoFit/>
+          </a:bodyPr>
+          <a:lstStyle/>
+          <a:p>
+            <a:r>
+              <a:rPr lang="en-IN" dirty="0" err="1" smtClean="0"/>
+              <a:t>ProductDispenserImpl</a:t>
+            </a:r>
+            <a:endParaRPr lang="en-IN" dirty="0"/>
+          </a:p>
+        </p:txBody>
+      </p:sp>
+      <p:sp>
+        <p:nvSpPr>
+          <p:cNvPr id="78" name="TextBox 77">
+            <a:extLst>
+              <a:ext uri="{FF2B5EF4-FFF2-40B4-BE49-F238E27FC236}">
+                <a16:creationId xmlns="" xmlns:a16="http://schemas.microsoft.com/office/drawing/2014/main" id="{B1981A7E-B63A-4477-B051-16BDC52F3372}"/>
+              </a:ext>
+            </a:extLst>
+          </p:cNvPr>
+          <p:cNvSpPr txBox="1"/>
+          <p:nvPr/>
+        </p:nvSpPr>
+        <p:spPr>
+          <a:xfrm>
+            <a:off x="9311369" y="4523138"/>
+            <a:ext cx="942566" cy="830997"/>
+          </a:xfrm>
+          <a:prstGeom prst="rect">
+            <a:avLst/>
+          </a:prstGeom>
+          <a:noFill/>
+        </p:spPr>
+        <p:txBody>
+          <a:bodyPr wrap="none" rtlCol="0">
+            <a:spAutoFit/>
+          </a:bodyPr>
+          <a:lstStyle/>
+          <a:p>
+            <a:r>
+              <a:rPr lang="en-IN" sz="1600" dirty="0"/>
+              <a:t>-</a:t>
+            </a:r>
+            <a:r>
+              <a:rPr lang="en-IN" sz="1600" dirty="0" smtClean="0"/>
+              <a:t>type</a:t>
+            </a:r>
+            <a:endParaRPr lang="en-IN" sz="1600" dirty="0"/>
+          </a:p>
+          <a:p>
+            <a:r>
+              <a:rPr lang="en-IN" sz="1600" dirty="0"/>
+              <a:t>-</a:t>
+            </a:r>
+            <a:r>
+              <a:rPr lang="en-IN" sz="1600" dirty="0" smtClean="0"/>
+              <a:t>Price</a:t>
+            </a:r>
+            <a:endParaRPr lang="en-IN" sz="1600" dirty="0"/>
+          </a:p>
+          <a:p>
+            <a:r>
+              <a:rPr lang="en-IN" sz="1600" dirty="0"/>
+              <a:t>-</a:t>
+            </a:r>
+            <a:r>
+              <a:rPr lang="en-IN" sz="1600" dirty="0" smtClean="0"/>
+              <a:t>quantity</a:t>
+            </a:r>
+            <a:endParaRPr lang="en-IN" sz="1600" dirty="0"/>
+          </a:p>
+        </p:txBody>
+      </p:sp>
+      <p:sp>
+        <p:nvSpPr>
+          <p:cNvPr id="79" name="TextBox 78">
+            <a:extLst>
+              <a:ext uri="{FF2B5EF4-FFF2-40B4-BE49-F238E27FC236}">
+                <a16:creationId xmlns="" xmlns:a16="http://schemas.microsoft.com/office/drawing/2014/main" id="{EF13C05D-AC63-4D2B-8A3E-48E4A9463832}"/>
+              </a:ext>
+            </a:extLst>
+          </p:cNvPr>
+          <p:cNvSpPr txBox="1"/>
+          <p:nvPr/>
+        </p:nvSpPr>
+        <p:spPr>
+          <a:xfrm>
+            <a:off x="9311369" y="5377844"/>
+            <a:ext cx="2446420" cy="338554"/>
+          </a:xfrm>
+          <a:prstGeom prst="rect">
+            <a:avLst/>
+          </a:prstGeom>
+          <a:noFill/>
+        </p:spPr>
+        <p:txBody>
+          <a:bodyPr wrap="square" rtlCol="0">
+            <a:spAutoFit/>
+          </a:bodyPr>
+          <a:lstStyle/>
+          <a:p>
+            <a:r>
+              <a:rPr lang="en-IN" sz="1600" dirty="0" smtClean="0"/>
+              <a:t>-</a:t>
+            </a:r>
+            <a:r>
+              <a:rPr lang="en-IN" sz="1600" dirty="0" err="1" smtClean="0"/>
+              <a:t>updateSaleCount</a:t>
+            </a:r>
+            <a:r>
+              <a:rPr lang="en-IN" sz="1600" dirty="0" smtClean="0"/>
+              <a:t>()</a:t>
+            </a:r>
+            <a:endParaRPr lang="en-IN" sz="1600" dirty="0"/>
+          </a:p>
+        </p:txBody>
+      </p:sp>
+      <p:sp>
+        <p:nvSpPr>
+          <p:cNvPr id="84" name="Flowchart: Process 83">
+            <a:extLst>
+              <a:ext uri="{FF2B5EF4-FFF2-40B4-BE49-F238E27FC236}">
+                <a16:creationId xmlns="" xmlns:a16="http://schemas.microsoft.com/office/drawing/2014/main" id="{74F3BE86-ED79-479F-A311-39DB5BA1AB48}"/>
+              </a:ext>
+            </a:extLst>
+          </p:cNvPr>
+          <p:cNvSpPr/>
+          <p:nvPr/>
+        </p:nvSpPr>
+        <p:spPr>
+          <a:xfrm>
+            <a:off x="9623763" y="283780"/>
+            <a:ext cx="2163746" cy="1641272"/>
+          </a:xfrm>
+          <a:prstGeom prst="flowChartProcess">
+            <a:avLst/>
+          </a:prstGeom>
+          <a:ln>
+            <a:solidFill>
+              <a:schemeClr val="tx1"/>
+            </a:solidFill>
+          </a:ln>
+        </p:spPr>
+        <p:style>
+          <a:lnRef idx="2">
+            <a:schemeClr val="accent6"/>
+          </a:lnRef>
+          <a:fillRef idx="1">
+            <a:schemeClr val="lt1"/>
+          </a:fillRef>
+          <a:effectRef idx="0">
+            <a:schemeClr val="accent6"/>
+          </a:effectRef>
+          <a:fontRef idx="minor">
+            <a:schemeClr val="dk1"/>
+          </a:fontRef>
+        </p:style>
+        <p:txBody>
+          <a:bodyPr rtlCol="0" anchor="ctr"/>
+          <a:lstStyle/>
+          <a:p>
+            <a:pPr algn="ctr"/>
+            <a:endParaRPr lang="en-IN" dirty="0"/>
+          </a:p>
+        </p:txBody>
+      </p:sp>
+      <p:cxnSp>
+        <p:nvCxnSpPr>
+          <p:cNvPr id="85" name="Straight Connector 84">
+            <a:extLst>
+              <a:ext uri="{FF2B5EF4-FFF2-40B4-BE49-F238E27FC236}">
+                <a16:creationId xmlns="" xmlns:a16="http://schemas.microsoft.com/office/drawing/2014/main" id="{437A2497-5D87-4560-990A-FCC9BC59DCBA}"/>
+              </a:ext>
+            </a:extLst>
+          </p:cNvPr>
+          <p:cNvCxnSpPr>
+            <a:cxnSpLocks/>
+          </p:cNvCxnSpPr>
+          <p:nvPr/>
+        </p:nvCxnSpPr>
+        <p:spPr>
+          <a:xfrm flipV="1">
+            <a:off x="9623765" y="695073"/>
+            <a:ext cx="2163744" cy="6066"/>
+          </a:xfrm>
+          <a:prstGeom prst="line">
+            <a:avLst/>
+          </a:prstGeom>
+        </p:spPr>
+        <p:style>
+          <a:lnRef idx="1">
+            <a:schemeClr val="dk1"/>
+          </a:lnRef>
+          <a:fillRef idx="0">
+            <a:schemeClr val="dk1"/>
+          </a:fillRef>
+          <a:effectRef idx="0">
+            <a:schemeClr val="dk1"/>
+          </a:effectRef>
+          <a:fontRef idx="minor">
+            <a:schemeClr val="tx1"/>
+          </a:fontRef>
+        </p:style>
+      </p:cxnSp>
+      <p:cxnSp>
+        <p:nvCxnSpPr>
+          <p:cNvPr id="86" name="Straight Connector 85">
+            <a:extLst>
+              <a:ext uri="{FF2B5EF4-FFF2-40B4-BE49-F238E27FC236}">
+                <a16:creationId xmlns="" xmlns:a16="http://schemas.microsoft.com/office/drawing/2014/main" id="{FB118190-05A6-4155-BB27-962C6DB504B0}"/>
+              </a:ext>
+            </a:extLst>
+          </p:cNvPr>
+          <p:cNvCxnSpPr>
+            <a:cxnSpLocks/>
+          </p:cNvCxnSpPr>
+          <p:nvPr/>
+        </p:nvCxnSpPr>
+        <p:spPr>
+          <a:xfrm>
+            <a:off x="9631787" y="1593126"/>
+            <a:ext cx="2155722" cy="2820"/>
+          </a:xfrm>
+          <a:prstGeom prst="line">
+            <a:avLst/>
+          </a:prstGeom>
+        </p:spPr>
+        <p:style>
+          <a:lnRef idx="1">
+            <a:schemeClr val="dk1"/>
+          </a:lnRef>
+          <a:fillRef idx="0">
+            <a:schemeClr val="dk1"/>
+          </a:fillRef>
+          <a:effectRef idx="0">
+            <a:schemeClr val="dk1"/>
+          </a:effectRef>
+          <a:fontRef idx="minor">
+            <a:schemeClr val="tx1"/>
+          </a:fontRef>
+        </p:style>
+      </p:cxnSp>
+      <p:sp>
+        <p:nvSpPr>
+          <p:cNvPr id="87" name="TextBox 86">
+            <a:extLst>
+              <a:ext uri="{FF2B5EF4-FFF2-40B4-BE49-F238E27FC236}">
+                <a16:creationId xmlns="" xmlns:a16="http://schemas.microsoft.com/office/drawing/2014/main" id="{352BBB59-A8CB-443E-A53C-270E903BD5CC}"/>
+              </a:ext>
+            </a:extLst>
+          </p:cNvPr>
+          <p:cNvSpPr txBox="1"/>
+          <p:nvPr/>
+        </p:nvSpPr>
+        <p:spPr>
+          <a:xfrm>
+            <a:off x="9771731" y="79912"/>
+            <a:ext cx="1503104" cy="646331"/>
+          </a:xfrm>
+          <a:prstGeom prst="rect">
+            <a:avLst/>
+          </a:prstGeom>
+          <a:noFill/>
+        </p:spPr>
+        <p:txBody>
+          <a:bodyPr wrap="none" rtlCol="0">
+            <a:spAutoFit/>
+          </a:bodyPr>
+          <a:lstStyle/>
+          <a:p>
+            <a:endParaRPr lang="en-IN" dirty="0" smtClean="0"/>
+          </a:p>
+          <a:p>
+            <a:r>
+              <a:rPr lang="en-IN" dirty="0" smtClean="0"/>
+              <a:t>     </a:t>
+            </a:r>
+            <a:r>
+              <a:rPr lang="en-IN" dirty="0" err="1" smtClean="0"/>
+              <a:t>ReportImpl</a:t>
+            </a:r>
+            <a:endParaRPr lang="en-IN" dirty="0"/>
+          </a:p>
+        </p:txBody>
+      </p:sp>
+      <p:sp>
+        <p:nvSpPr>
+          <p:cNvPr id="88" name="TextBox 87">
+            <a:extLst>
+              <a:ext uri="{FF2B5EF4-FFF2-40B4-BE49-F238E27FC236}">
+                <a16:creationId xmlns="" xmlns:a16="http://schemas.microsoft.com/office/drawing/2014/main" id="{6135AA39-7A4A-4AFD-B7DA-8D8F50702DAC}"/>
+              </a:ext>
+            </a:extLst>
+          </p:cNvPr>
+          <p:cNvSpPr txBox="1"/>
+          <p:nvPr/>
+        </p:nvSpPr>
+        <p:spPr>
+          <a:xfrm>
+            <a:off x="9583657" y="741240"/>
+            <a:ext cx="1648208" cy="1077218"/>
+          </a:xfrm>
+          <a:prstGeom prst="rect">
+            <a:avLst/>
+          </a:prstGeom>
+          <a:noFill/>
+        </p:spPr>
+        <p:txBody>
+          <a:bodyPr wrap="none" rtlCol="0">
+            <a:spAutoFit/>
+          </a:bodyPr>
+          <a:lstStyle/>
+          <a:p>
+            <a:r>
+              <a:rPr lang="en-IN" sz="1600" dirty="0"/>
+              <a:t>-</a:t>
+            </a:r>
+            <a:r>
+              <a:rPr lang="en-IN" sz="1600" dirty="0" err="1" smtClean="0"/>
+              <a:t>productType</a:t>
+            </a:r>
+            <a:endParaRPr lang="en-IN" sz="1600" dirty="0"/>
+          </a:p>
+          <a:p>
+            <a:r>
+              <a:rPr lang="en-IN" sz="1600" dirty="0"/>
+              <a:t>-</a:t>
+            </a:r>
+            <a:r>
+              <a:rPr lang="en-IN" sz="1600" dirty="0" smtClean="0"/>
+              <a:t>quantity</a:t>
+            </a:r>
+            <a:endParaRPr lang="en-IN" sz="1600" dirty="0"/>
+          </a:p>
+          <a:p>
+            <a:r>
+              <a:rPr lang="en-IN" sz="1600" dirty="0"/>
+              <a:t>-</a:t>
+            </a:r>
+            <a:r>
+              <a:rPr lang="en-IN" sz="1600" dirty="0" err="1" smtClean="0"/>
+              <a:t>totalSaleAmount</a:t>
+            </a:r>
+            <a:endParaRPr lang="en-IN" sz="1600" dirty="0"/>
+          </a:p>
+          <a:p>
+            <a:endParaRPr lang="en-IN" sz="1600" dirty="0"/>
+          </a:p>
+        </p:txBody>
+      </p:sp>
+      <p:cxnSp>
+        <p:nvCxnSpPr>
+          <p:cNvPr id="90" name="Elbow Connector 89"/>
+          <p:cNvCxnSpPr>
+            <a:stCxn id="62" idx="1"/>
+            <a:endCxn id="18" idx="2"/>
+          </p:cNvCxnSpPr>
+          <p:nvPr/>
+        </p:nvCxnSpPr>
+        <p:spPr>
+          <a:xfrm rot="10800000" flipV="1">
+            <a:off x="4114197" y="5736532"/>
+            <a:ext cx="1786016" cy="222839"/>
+          </a:xfrm>
+          <a:prstGeom prst="bentConnector4">
+            <a:avLst>
+              <a:gd name="adj1" fmla="val 15644"/>
+              <a:gd name="adj2" fmla="val 289042"/>
+            </a:avLst>
+          </a:prstGeom>
+          <a:ln>
+            <a:prstDash val="dash"/>
+            <a:tailEnd type="arrow"/>
+          </a:ln>
+        </p:spPr>
+        <p:style>
+          <a:lnRef idx="1">
+            <a:schemeClr val="accent1"/>
+          </a:lnRef>
+          <a:fillRef idx="0">
+            <a:schemeClr val="accent1"/>
+          </a:fillRef>
+          <a:effectRef idx="0">
+            <a:schemeClr val="accent1"/>
+          </a:effectRef>
+          <a:fontRef idx="minor">
+            <a:schemeClr val="tx1"/>
+          </a:fontRef>
+        </p:style>
+      </p:cxnSp>
+      <p:cxnSp>
+        <p:nvCxnSpPr>
+          <p:cNvPr id="91" name="Elbow Connector 90"/>
+          <p:cNvCxnSpPr>
+            <a:stCxn id="78" idx="1"/>
+          </p:cNvCxnSpPr>
+          <p:nvPr/>
+        </p:nvCxnSpPr>
+        <p:spPr>
+          <a:xfrm rot="10800000">
+            <a:off x="8374001" y="3802105"/>
+            <a:ext cx="937368" cy="1136533"/>
+          </a:xfrm>
+          <a:prstGeom prst="bentConnector2">
+            <a:avLst/>
+          </a:prstGeom>
+          <a:ln>
+            <a:prstDash val="dash"/>
+            <a:tailEnd type="arrow"/>
+          </a:ln>
+        </p:spPr>
+        <p:style>
+          <a:lnRef idx="1">
+            <a:schemeClr val="accent1"/>
+          </a:lnRef>
+          <a:fillRef idx="0">
+            <a:schemeClr val="accent1"/>
+          </a:fillRef>
+          <a:effectRef idx="0">
+            <a:schemeClr val="accent1"/>
+          </a:effectRef>
+          <a:fontRef idx="minor">
+            <a:schemeClr val="tx1"/>
+          </a:fontRef>
+        </p:style>
+      </p:cxnSp>
+      <p:cxnSp>
+        <p:nvCxnSpPr>
+          <p:cNvPr id="95" name="Elbow Connector 94"/>
+          <p:cNvCxnSpPr>
+            <a:stCxn id="88" idx="1"/>
+          </p:cNvCxnSpPr>
+          <p:nvPr/>
+        </p:nvCxnSpPr>
+        <p:spPr>
+          <a:xfrm rot="10800000">
+            <a:off x="6511159" y="1279849"/>
+            <a:ext cx="3072498" cy="12700"/>
+          </a:xfrm>
+          <a:prstGeom prst="bentConnector3">
+            <a:avLst>
+              <a:gd name="adj1" fmla="val 50000"/>
+            </a:avLst>
+          </a:prstGeom>
+          <a:ln>
+            <a:prstDash val="dash"/>
+            <a:tailEnd type="arrow"/>
+          </a:ln>
+        </p:spPr>
+        <p:style>
+          <a:lnRef idx="1">
+            <a:schemeClr val="accent1"/>
+          </a:lnRef>
+          <a:fillRef idx="0">
+            <a:schemeClr val="accent1"/>
+          </a:fillRef>
+          <a:effectRef idx="0">
+            <a:schemeClr val="accent1"/>
+          </a:effectRef>
+          <a:fontRef idx="minor">
+            <a:schemeClr val="tx1"/>
+          </a:fontRef>
+        </p:style>
+      </p:cxnSp>
+      <p:sp>
+        <p:nvSpPr>
+          <p:cNvPr id="101" name="TextBox 100">
+            <a:extLst>
+              <a:ext uri="{FF2B5EF4-FFF2-40B4-BE49-F238E27FC236}">
+                <a16:creationId xmlns="" xmlns:a16="http://schemas.microsoft.com/office/drawing/2014/main" id="{6135AA39-7A4A-4AFD-B7DA-8D8F50702DAC}"/>
+              </a:ext>
+            </a:extLst>
+          </p:cNvPr>
+          <p:cNvSpPr txBox="1"/>
+          <p:nvPr/>
+        </p:nvSpPr>
+        <p:spPr>
+          <a:xfrm>
+            <a:off x="2894999" y="4277168"/>
+            <a:ext cx="445956" cy="338554"/>
+          </a:xfrm>
+          <a:prstGeom prst="rect">
+            <a:avLst/>
+          </a:prstGeom>
+          <a:noFill/>
+        </p:spPr>
+        <p:txBody>
+          <a:bodyPr wrap="none" rtlCol="0">
+            <a:spAutoFit/>
+          </a:bodyPr>
+          <a:lstStyle/>
+          <a:p>
+            <a:r>
+              <a:rPr lang="en-IN" sz="1600" dirty="0" smtClean="0"/>
+              <a:t>+Id</a:t>
+            </a:r>
+            <a:endParaRPr lang="en-IN" sz="1600" dirty="0"/>
+          </a:p>
+        </p:txBody>
+      </p:sp>
+      <p:sp>
+        <p:nvSpPr>
+          <p:cNvPr id="102" name="TextBox 101">
+            <a:extLst>
+              <a:ext uri="{FF2B5EF4-FFF2-40B4-BE49-F238E27FC236}">
+                <a16:creationId xmlns="" xmlns:a16="http://schemas.microsoft.com/office/drawing/2014/main" id="{6135AA39-7A4A-4AFD-B7DA-8D8F50702DAC}"/>
+              </a:ext>
+            </a:extLst>
+          </p:cNvPr>
+          <p:cNvSpPr txBox="1"/>
+          <p:nvPr/>
+        </p:nvSpPr>
+        <p:spPr>
+          <a:xfrm>
+            <a:off x="7004973" y="2722504"/>
+            <a:ext cx="445956" cy="338554"/>
+          </a:xfrm>
+          <a:prstGeom prst="rect">
+            <a:avLst/>
+          </a:prstGeom>
+          <a:noFill/>
+        </p:spPr>
+        <p:txBody>
+          <a:bodyPr wrap="none" rtlCol="0">
+            <a:spAutoFit/>
+          </a:bodyPr>
+          <a:lstStyle/>
+          <a:p>
+            <a:r>
+              <a:rPr lang="en-IN" sz="1600" dirty="0" smtClean="0"/>
+              <a:t>+Id</a:t>
+            </a:r>
+            <a:endParaRPr lang="en-IN" sz="1600" dirty="0"/>
           </a:p>
         </p:txBody>
       </p:sp>
@@ -5543,14 +6485,14 @@
           <a:p>
             <a:pPr algn="ctr"/>
             <a:r>
-              <a:rPr lang="en-IN" dirty="0" smtClean="0">
+              <a:rPr lang="en-IN" u="sng" dirty="0" smtClean="0">
                 <a:solidFill>
                   <a:schemeClr val="tx1"/>
                 </a:solidFill>
               </a:rPr>
               <a:t>User</a:t>
             </a:r>
-            <a:endParaRPr lang="en-IN" dirty="0">
+            <a:endParaRPr lang="en-IN" u="sng" dirty="0">
               <a:solidFill>
                 <a:schemeClr val="tx1"/>
               </a:solidFill>
@@ -5593,14 +6535,14 @@
           <a:p>
             <a:pPr algn="ctr"/>
             <a:r>
-              <a:rPr lang="en-IN" dirty="0" smtClean="0">
+              <a:rPr lang="en-IN" u="sng" dirty="0" smtClean="0">
                 <a:solidFill>
                   <a:schemeClr val="tx1"/>
                 </a:solidFill>
               </a:rPr>
               <a:t>Main Menu</a:t>
             </a:r>
-            <a:endParaRPr lang="en-IN" dirty="0">
+            <a:endParaRPr lang="en-IN" u="sng" dirty="0">
               <a:solidFill>
                 <a:schemeClr val="tx1"/>
               </a:solidFill>
@@ -5643,14 +6585,14 @@
           <a:p>
             <a:pPr algn="ctr"/>
             <a:r>
-              <a:rPr lang="en-IN" dirty="0" smtClean="0">
+              <a:rPr lang="en-IN" u="sng" dirty="0" smtClean="0">
                 <a:solidFill>
                   <a:schemeClr val="tx1"/>
                 </a:solidFill>
               </a:rPr>
               <a:t>Product dispenser</a:t>
             </a:r>
-            <a:endParaRPr lang="en-IN" dirty="0">
+            <a:endParaRPr lang="en-IN" u="sng" dirty="0">
               <a:solidFill>
                 <a:schemeClr val="tx1"/>
               </a:solidFill>
@@ -5693,14 +6635,14 @@
           <a:p>
             <a:pPr algn="ctr"/>
             <a:r>
-              <a:rPr lang="en-IN" dirty="0" smtClean="0">
+              <a:rPr lang="en-IN" u="sng" dirty="0" smtClean="0">
                 <a:solidFill>
                   <a:schemeClr val="tx1"/>
                 </a:solidFill>
               </a:rPr>
               <a:t>Product</a:t>
             </a:r>
-            <a:endParaRPr lang="en-IN" dirty="0">
+            <a:endParaRPr lang="en-IN" u="sng" dirty="0">
               <a:solidFill>
                 <a:schemeClr val="tx1"/>
               </a:solidFill>
@@ -5743,14 +6685,14 @@
           <a:p>
             <a:pPr algn="ctr"/>
             <a:r>
-              <a:rPr lang="en-IN" dirty="0" smtClean="0">
+              <a:rPr lang="en-IN" u="sng" dirty="0" smtClean="0">
                 <a:solidFill>
                   <a:schemeClr val="tx1"/>
                 </a:solidFill>
               </a:rPr>
               <a:t>Container service</a:t>
             </a:r>
-            <a:endParaRPr lang="en-IN" dirty="0">
+            <a:endParaRPr lang="en-IN" u="sng" dirty="0">
               <a:solidFill>
                 <a:schemeClr val="tx1"/>
               </a:solidFill>
@@ -5793,14 +6735,14 @@
           <a:p>
             <a:pPr algn="ctr"/>
             <a:r>
-              <a:rPr lang="en-IN" dirty="0" smtClean="0">
+              <a:rPr lang="en-IN" u="sng" dirty="0" smtClean="0">
                 <a:solidFill>
                   <a:schemeClr val="tx1"/>
                 </a:solidFill>
               </a:rPr>
               <a:t>Container</a:t>
             </a:r>
-            <a:endParaRPr lang="en-IN" dirty="0">
+            <a:endParaRPr lang="en-IN" u="sng" dirty="0">
               <a:solidFill>
                 <a:schemeClr val="tx1"/>
               </a:solidFill>
@@ -6072,15 +7014,7 @@
           <a:p>
             <a:r>
               <a:rPr lang="en-IN" sz="1600" dirty="0" smtClean="0"/>
-              <a:t>2. product </a:t>
-            </a:r>
-            <a:r>
-              <a:rPr lang="en-IN" sz="1600" dirty="0" smtClean="0"/>
-              <a:t>D</a:t>
-            </a:r>
-            <a:r>
-              <a:rPr lang="en-IN" sz="1600" dirty="0" smtClean="0"/>
-              <a:t>etails()</a:t>
+              <a:t>2. product Details()</a:t>
             </a:r>
             <a:endParaRPr lang="en-IN" sz="1600" dirty="0"/>
           </a:p>
@@ -9009,7 +9943,7 @@
           <p:cNvPr id="5" name="Group 4">
             <a:extLst>
               <a:ext uri="{FF2B5EF4-FFF2-40B4-BE49-F238E27FC236}">
-                <a16:creationId xmlns:a16="http://schemas.microsoft.com/office/drawing/2014/main" xmlns="" id="{E6D1220D-E6DD-4D58-8603-8C634E91DA65}"/>
+                <a16:creationId xmlns="" xmlns:a16="http://schemas.microsoft.com/office/drawing/2014/main" id="{E6D1220D-E6DD-4D58-8603-8C634E91DA65}"/>
               </a:ext>
             </a:extLst>
           </p:cNvPr>
@@ -9029,7 +9963,7 @@
             <p:cNvPr id="7" name="Flowchart: Process 6">
               <a:extLst>
                 <a:ext uri="{FF2B5EF4-FFF2-40B4-BE49-F238E27FC236}">
-                  <a16:creationId xmlns:a16="http://schemas.microsoft.com/office/drawing/2014/main" xmlns="" id="{A82422B0-1783-4684-8529-3F126A1195C1}"/>
+                  <a16:creationId xmlns="" xmlns:a16="http://schemas.microsoft.com/office/drawing/2014/main" id="{A82422B0-1783-4684-8529-3F126A1195C1}"/>
                 </a:ext>
               </a:extLst>
             </p:cNvPr>
@@ -9078,7 +10012,7 @@
             <p:cNvPr id="6" name="Flowchart: Process 5">
               <a:extLst>
                 <a:ext uri="{FF2B5EF4-FFF2-40B4-BE49-F238E27FC236}">
-                  <a16:creationId xmlns:a16="http://schemas.microsoft.com/office/drawing/2014/main" xmlns="" id="{59780BC2-3026-4C66-864C-1A4939027645}"/>
+                  <a16:creationId xmlns="" xmlns:a16="http://schemas.microsoft.com/office/drawing/2014/main" id="{59780BC2-3026-4C66-864C-1A4939027645}"/>
                 </a:ext>
               </a:extLst>
             </p:cNvPr>
@@ -9128,7 +10062,7 @@
           <p:cNvPr id="4" name="Group 3">
             <a:extLst>
               <a:ext uri="{FF2B5EF4-FFF2-40B4-BE49-F238E27FC236}">
-                <a16:creationId xmlns:a16="http://schemas.microsoft.com/office/drawing/2014/main" xmlns="" id="{4B916DD5-1453-4B51-9739-321E3F417966}"/>
+                <a16:creationId xmlns="" xmlns:a16="http://schemas.microsoft.com/office/drawing/2014/main" id="{4B916DD5-1453-4B51-9739-321E3F417966}"/>
               </a:ext>
             </a:extLst>
           </p:cNvPr>
@@ -9148,7 +10082,7 @@
             <p:cNvPr id="2" name="Flowchart: Process 1">
               <a:extLst>
                 <a:ext uri="{FF2B5EF4-FFF2-40B4-BE49-F238E27FC236}">
-                  <a16:creationId xmlns:a16="http://schemas.microsoft.com/office/drawing/2014/main" xmlns="" id="{001C031D-78EC-4E85-943F-5225C8099307}"/>
+                  <a16:creationId xmlns="" xmlns:a16="http://schemas.microsoft.com/office/drawing/2014/main" id="{001C031D-78EC-4E85-943F-5225C8099307}"/>
                 </a:ext>
               </a:extLst>
             </p:cNvPr>
@@ -9197,7 +10131,7 @@
             <p:cNvPr id="3" name="Flowchart: Process 2">
               <a:extLst>
                 <a:ext uri="{FF2B5EF4-FFF2-40B4-BE49-F238E27FC236}">
-                  <a16:creationId xmlns:a16="http://schemas.microsoft.com/office/drawing/2014/main" xmlns="" id="{BC5C6A39-3783-4A7D-9D9C-B4DD5E62BF35}"/>
+                  <a16:creationId xmlns="" xmlns:a16="http://schemas.microsoft.com/office/drawing/2014/main" id="{BC5C6A39-3783-4A7D-9D9C-B4DD5E62BF35}"/>
                 </a:ext>
               </a:extLst>
             </p:cNvPr>
@@ -9247,7 +10181,7 @@
           <p:cNvPr id="8" name="TextBox 7">
             <a:extLst>
               <a:ext uri="{FF2B5EF4-FFF2-40B4-BE49-F238E27FC236}">
-                <a16:creationId xmlns:a16="http://schemas.microsoft.com/office/drawing/2014/main" xmlns="" id="{F5E6ECC7-7E14-4BF4-AEEB-169A7755BEDB}"/>
+                <a16:creationId xmlns="" xmlns:a16="http://schemas.microsoft.com/office/drawing/2014/main" id="{F5E6ECC7-7E14-4BF4-AEEB-169A7755BEDB}"/>
               </a:ext>
             </a:extLst>
           </p:cNvPr>
@@ -9282,7 +10216,7 @@
           <p:cNvPr id="9" name="TextBox 8">
             <a:extLst>
               <a:ext uri="{FF2B5EF4-FFF2-40B4-BE49-F238E27FC236}">
-                <a16:creationId xmlns:a16="http://schemas.microsoft.com/office/drawing/2014/main" xmlns="" id="{5C4EED73-A0EA-4A87-BA8A-03FED5B37F9E}"/>
+                <a16:creationId xmlns="" xmlns:a16="http://schemas.microsoft.com/office/drawing/2014/main" id="{5C4EED73-A0EA-4A87-BA8A-03FED5B37F9E}"/>
               </a:ext>
             </a:extLst>
           </p:cNvPr>
@@ -9317,7 +10251,7 @@
           <p:cNvPr id="10" name="Group 9">
             <a:extLst>
               <a:ext uri="{FF2B5EF4-FFF2-40B4-BE49-F238E27FC236}">
-                <a16:creationId xmlns:a16="http://schemas.microsoft.com/office/drawing/2014/main" xmlns="" id="{26FFFADF-A872-4733-B6B0-357796EEDFE5}"/>
+                <a16:creationId xmlns="" xmlns:a16="http://schemas.microsoft.com/office/drawing/2014/main" id="{26FFFADF-A872-4733-B6B0-357796EEDFE5}"/>
               </a:ext>
             </a:extLst>
           </p:cNvPr>
@@ -9337,7 +10271,7 @@
             <p:cNvPr id="11" name="Flowchart: Process 10">
               <a:extLst>
                 <a:ext uri="{FF2B5EF4-FFF2-40B4-BE49-F238E27FC236}">
-                  <a16:creationId xmlns:a16="http://schemas.microsoft.com/office/drawing/2014/main" xmlns="" id="{404CB63F-8F2C-440E-AC35-825942AD3463}"/>
+                  <a16:creationId xmlns="" xmlns:a16="http://schemas.microsoft.com/office/drawing/2014/main" id="{404CB63F-8F2C-440E-AC35-825942AD3463}"/>
                 </a:ext>
               </a:extLst>
             </p:cNvPr>
@@ -9389,7 +10323,7 @@
             <p:cNvPr id="12" name="Flowchart: Process 11">
               <a:extLst>
                 <a:ext uri="{FF2B5EF4-FFF2-40B4-BE49-F238E27FC236}">
-                  <a16:creationId xmlns:a16="http://schemas.microsoft.com/office/drawing/2014/main" xmlns="" id="{2F77B4C9-41B2-4824-A700-AB37BF9090F2}"/>
+                  <a16:creationId xmlns="" xmlns:a16="http://schemas.microsoft.com/office/drawing/2014/main" id="{2F77B4C9-41B2-4824-A700-AB37BF9090F2}"/>
                 </a:ext>
               </a:extLst>
             </p:cNvPr>
@@ -9439,7 +10373,7 @@
           <p:cNvPr id="13" name="Group 12">
             <a:extLst>
               <a:ext uri="{FF2B5EF4-FFF2-40B4-BE49-F238E27FC236}">
-                <a16:creationId xmlns:a16="http://schemas.microsoft.com/office/drawing/2014/main" xmlns="" id="{DF4EA82F-E019-467F-A0FF-B8153F6E4386}"/>
+                <a16:creationId xmlns="" xmlns:a16="http://schemas.microsoft.com/office/drawing/2014/main" id="{DF4EA82F-E019-467F-A0FF-B8153F6E4386}"/>
               </a:ext>
             </a:extLst>
           </p:cNvPr>
@@ -9459,7 +10393,7 @@
             <p:cNvPr id="14" name="Flowchart: Process 13">
               <a:extLst>
                 <a:ext uri="{FF2B5EF4-FFF2-40B4-BE49-F238E27FC236}">
-                  <a16:creationId xmlns:a16="http://schemas.microsoft.com/office/drawing/2014/main" xmlns="" id="{F8611629-FA6A-4784-AD93-D6EE494F41F3}"/>
+                  <a16:creationId xmlns="" xmlns:a16="http://schemas.microsoft.com/office/drawing/2014/main" id="{F8611629-FA6A-4784-AD93-D6EE494F41F3}"/>
                 </a:ext>
               </a:extLst>
             </p:cNvPr>
@@ -9511,7 +10445,7 @@
             <p:cNvPr id="15" name="Flowchart: Process 14">
               <a:extLst>
                 <a:ext uri="{FF2B5EF4-FFF2-40B4-BE49-F238E27FC236}">
-                  <a16:creationId xmlns:a16="http://schemas.microsoft.com/office/drawing/2014/main" xmlns="" id="{F244A99E-A6B6-4B9C-94D3-69C1FF369831}"/>
+                  <a16:creationId xmlns="" xmlns:a16="http://schemas.microsoft.com/office/drawing/2014/main" id="{F244A99E-A6B6-4B9C-94D3-69C1FF369831}"/>
                 </a:ext>
               </a:extLst>
             </p:cNvPr>
@@ -9561,7 +10495,7 @@
           <p:cNvPr id="16" name="Group 15">
             <a:extLst>
               <a:ext uri="{FF2B5EF4-FFF2-40B4-BE49-F238E27FC236}">
-                <a16:creationId xmlns:a16="http://schemas.microsoft.com/office/drawing/2014/main" xmlns="" id="{D2842208-3960-4A5A-8ACC-65D5B2B7E297}"/>
+                <a16:creationId xmlns="" xmlns:a16="http://schemas.microsoft.com/office/drawing/2014/main" id="{D2842208-3960-4A5A-8ACC-65D5B2B7E297}"/>
               </a:ext>
             </a:extLst>
           </p:cNvPr>
@@ -9581,7 +10515,7 @@
             <p:cNvPr id="17" name="Flowchart: Process 16">
               <a:extLst>
                 <a:ext uri="{FF2B5EF4-FFF2-40B4-BE49-F238E27FC236}">
-                  <a16:creationId xmlns:a16="http://schemas.microsoft.com/office/drawing/2014/main" xmlns="" id="{033E1412-6659-4F46-877C-58CEE0DDA0E5}"/>
+                  <a16:creationId xmlns="" xmlns:a16="http://schemas.microsoft.com/office/drawing/2014/main" id="{033E1412-6659-4F46-877C-58CEE0DDA0E5}"/>
                 </a:ext>
               </a:extLst>
             </p:cNvPr>
@@ -9633,7 +10567,7 @@
             <p:cNvPr id="18" name="Flowchart: Process 17">
               <a:extLst>
                 <a:ext uri="{FF2B5EF4-FFF2-40B4-BE49-F238E27FC236}">
-                  <a16:creationId xmlns:a16="http://schemas.microsoft.com/office/drawing/2014/main" xmlns="" id="{7D1CFA68-C16D-41BC-8A3E-B2F57AEF734C}"/>
+                  <a16:creationId xmlns="" xmlns:a16="http://schemas.microsoft.com/office/drawing/2014/main" id="{7D1CFA68-C16D-41BC-8A3E-B2F57AEF734C}"/>
                 </a:ext>
               </a:extLst>
             </p:cNvPr>
@@ -9683,7 +10617,7 @@
           <p:cNvPr id="19" name="Group 18">
             <a:extLst>
               <a:ext uri="{FF2B5EF4-FFF2-40B4-BE49-F238E27FC236}">
-                <a16:creationId xmlns:a16="http://schemas.microsoft.com/office/drawing/2014/main" xmlns="" id="{0107801E-00BA-474D-90A7-199F93AA3514}"/>
+                <a16:creationId xmlns="" xmlns:a16="http://schemas.microsoft.com/office/drawing/2014/main" id="{0107801E-00BA-474D-90A7-199F93AA3514}"/>
               </a:ext>
             </a:extLst>
           </p:cNvPr>
@@ -9703,7 +10637,7 @@
             <p:cNvPr id="20" name="Flowchart: Process 19">
               <a:extLst>
                 <a:ext uri="{FF2B5EF4-FFF2-40B4-BE49-F238E27FC236}">
-                  <a16:creationId xmlns:a16="http://schemas.microsoft.com/office/drawing/2014/main" xmlns="" id="{06D73A06-E114-4B4E-94DA-D8C20398F998}"/>
+                  <a16:creationId xmlns="" xmlns:a16="http://schemas.microsoft.com/office/drawing/2014/main" id="{06D73A06-E114-4B4E-94DA-D8C20398F998}"/>
                 </a:ext>
               </a:extLst>
             </p:cNvPr>
@@ -9752,7 +10686,7 @@
             <p:cNvPr id="21" name="Flowchart: Process 20">
               <a:extLst>
                 <a:ext uri="{FF2B5EF4-FFF2-40B4-BE49-F238E27FC236}">
-                  <a16:creationId xmlns:a16="http://schemas.microsoft.com/office/drawing/2014/main" xmlns="" id="{2E962994-E03E-494D-BBAB-A3D0CF3BD6C3}"/>
+                  <a16:creationId xmlns="" xmlns:a16="http://schemas.microsoft.com/office/drawing/2014/main" id="{2E962994-E03E-494D-BBAB-A3D0CF3BD6C3}"/>
                 </a:ext>
               </a:extLst>
             </p:cNvPr>
@@ -9802,7 +10736,7 @@
           <p:cNvPr id="22" name="TextBox 21">
             <a:extLst>
               <a:ext uri="{FF2B5EF4-FFF2-40B4-BE49-F238E27FC236}">
-                <a16:creationId xmlns:a16="http://schemas.microsoft.com/office/drawing/2014/main" xmlns="" id="{D419FA49-18C2-4CBB-A0BC-00AF4C182401}"/>
+                <a16:creationId xmlns="" xmlns:a16="http://schemas.microsoft.com/office/drawing/2014/main" id="{D419FA49-18C2-4CBB-A0BC-00AF4C182401}"/>
               </a:ext>
             </a:extLst>
           </p:cNvPr>
@@ -9837,7 +10771,7 @@
           <p:cNvPr id="32" name="Group 31">
             <a:extLst>
               <a:ext uri="{FF2B5EF4-FFF2-40B4-BE49-F238E27FC236}">
-                <a16:creationId xmlns:a16="http://schemas.microsoft.com/office/drawing/2014/main" xmlns="" id="{D674143B-D9BC-4EF9-AB76-E55D73BB4F4A}"/>
+                <a16:creationId xmlns="" xmlns:a16="http://schemas.microsoft.com/office/drawing/2014/main" id="{D674143B-D9BC-4EF9-AB76-E55D73BB4F4A}"/>
               </a:ext>
             </a:extLst>
           </p:cNvPr>
@@ -9857,7 +10791,7 @@
             <p:cNvPr id="33" name="Flowchart: Process 32">
               <a:extLst>
                 <a:ext uri="{FF2B5EF4-FFF2-40B4-BE49-F238E27FC236}">
-                  <a16:creationId xmlns:a16="http://schemas.microsoft.com/office/drawing/2014/main" xmlns="" id="{9706E2B5-A485-4952-A5A6-4F0C03B17B7C}"/>
+                  <a16:creationId xmlns="" xmlns:a16="http://schemas.microsoft.com/office/drawing/2014/main" id="{9706E2B5-A485-4952-A5A6-4F0C03B17B7C}"/>
                 </a:ext>
               </a:extLst>
             </p:cNvPr>
@@ -9909,7 +10843,7 @@
             <p:cNvPr id="34" name="Flowchart: Process 33">
               <a:extLst>
                 <a:ext uri="{FF2B5EF4-FFF2-40B4-BE49-F238E27FC236}">
-                  <a16:creationId xmlns:a16="http://schemas.microsoft.com/office/drawing/2014/main" xmlns="" id="{30938B99-A711-4080-93D4-9B26B95144D3}"/>
+                  <a16:creationId xmlns="" xmlns:a16="http://schemas.microsoft.com/office/drawing/2014/main" id="{30938B99-A711-4080-93D4-9B26B95144D3}"/>
                 </a:ext>
               </a:extLst>
             </p:cNvPr>
@@ -9959,7 +10893,7 @@
           <p:cNvPr id="35" name="Group 34">
             <a:extLst>
               <a:ext uri="{FF2B5EF4-FFF2-40B4-BE49-F238E27FC236}">
-                <a16:creationId xmlns:a16="http://schemas.microsoft.com/office/drawing/2014/main" xmlns="" id="{5FB839B1-1406-4CB3-AE03-F3BEDA6D6FAC}"/>
+                <a16:creationId xmlns="" xmlns:a16="http://schemas.microsoft.com/office/drawing/2014/main" id="{5FB839B1-1406-4CB3-AE03-F3BEDA6D6FAC}"/>
               </a:ext>
             </a:extLst>
           </p:cNvPr>
@@ -9979,7 +10913,7 @@
             <p:cNvPr id="36" name="Flowchart: Process 35">
               <a:extLst>
                 <a:ext uri="{FF2B5EF4-FFF2-40B4-BE49-F238E27FC236}">
-                  <a16:creationId xmlns:a16="http://schemas.microsoft.com/office/drawing/2014/main" xmlns="" id="{54FA01D0-08E2-4FC8-A411-BC6C4FDCC822}"/>
+                  <a16:creationId xmlns="" xmlns:a16="http://schemas.microsoft.com/office/drawing/2014/main" id="{54FA01D0-08E2-4FC8-A411-BC6C4FDCC822}"/>
                 </a:ext>
               </a:extLst>
             </p:cNvPr>
@@ -10031,7 +10965,7 @@
             <p:cNvPr id="37" name="Flowchart: Process 36">
               <a:extLst>
                 <a:ext uri="{FF2B5EF4-FFF2-40B4-BE49-F238E27FC236}">
-                  <a16:creationId xmlns:a16="http://schemas.microsoft.com/office/drawing/2014/main" xmlns="" id="{F98D3642-C875-4AE1-A280-88F43AB8D8B6}"/>
+                  <a16:creationId xmlns="" xmlns:a16="http://schemas.microsoft.com/office/drawing/2014/main" id="{F98D3642-C875-4AE1-A280-88F43AB8D8B6}"/>
                 </a:ext>
               </a:extLst>
             </p:cNvPr>
@@ -10081,7 +11015,7 @@
           <p:cNvPr id="38" name="Group 37">
             <a:extLst>
               <a:ext uri="{FF2B5EF4-FFF2-40B4-BE49-F238E27FC236}">
-                <a16:creationId xmlns:a16="http://schemas.microsoft.com/office/drawing/2014/main" xmlns="" id="{C8CA7CC7-15B6-4A91-A495-2BC02413E6E2}"/>
+                <a16:creationId xmlns="" xmlns:a16="http://schemas.microsoft.com/office/drawing/2014/main" id="{C8CA7CC7-15B6-4A91-A495-2BC02413E6E2}"/>
               </a:ext>
             </a:extLst>
           </p:cNvPr>
@@ -10101,7 +11035,7 @@
             <p:cNvPr id="39" name="Flowchart: Process 38">
               <a:extLst>
                 <a:ext uri="{FF2B5EF4-FFF2-40B4-BE49-F238E27FC236}">
-                  <a16:creationId xmlns:a16="http://schemas.microsoft.com/office/drawing/2014/main" xmlns="" id="{B12D5C66-4021-4A07-93FE-3DBC1035A7FD}"/>
+                  <a16:creationId xmlns="" xmlns:a16="http://schemas.microsoft.com/office/drawing/2014/main" id="{B12D5C66-4021-4A07-93FE-3DBC1035A7FD}"/>
                 </a:ext>
               </a:extLst>
             </p:cNvPr>
@@ -10153,7 +11087,7 @@
             <p:cNvPr id="40" name="Flowchart: Process 39">
               <a:extLst>
                 <a:ext uri="{FF2B5EF4-FFF2-40B4-BE49-F238E27FC236}">
-                  <a16:creationId xmlns:a16="http://schemas.microsoft.com/office/drawing/2014/main" xmlns="" id="{7957030F-238E-4AD7-B16F-0E2429CFD62A}"/>
+                  <a16:creationId xmlns="" xmlns:a16="http://schemas.microsoft.com/office/drawing/2014/main" id="{7957030F-238E-4AD7-B16F-0E2429CFD62A}"/>
                 </a:ext>
               </a:extLst>
             </p:cNvPr>
@@ -10203,7 +11137,7 @@
           <p:cNvPr id="41" name="Group 40">
             <a:extLst>
               <a:ext uri="{FF2B5EF4-FFF2-40B4-BE49-F238E27FC236}">
-                <a16:creationId xmlns:a16="http://schemas.microsoft.com/office/drawing/2014/main" xmlns="" id="{B0459CED-A9F3-4318-B072-FA2130CE088D}"/>
+                <a16:creationId xmlns="" xmlns:a16="http://schemas.microsoft.com/office/drawing/2014/main" id="{B0459CED-A9F3-4318-B072-FA2130CE088D}"/>
               </a:ext>
             </a:extLst>
           </p:cNvPr>
@@ -10223,7 +11157,7 @@
             <p:cNvPr id="42" name="Flowchart: Process 41">
               <a:extLst>
                 <a:ext uri="{FF2B5EF4-FFF2-40B4-BE49-F238E27FC236}">
-                  <a16:creationId xmlns:a16="http://schemas.microsoft.com/office/drawing/2014/main" xmlns="" id="{68DCBB74-BBC2-42C1-A099-9256AD5E4F19}"/>
+                  <a16:creationId xmlns="" xmlns:a16="http://schemas.microsoft.com/office/drawing/2014/main" id="{68DCBB74-BBC2-42C1-A099-9256AD5E4F19}"/>
                 </a:ext>
               </a:extLst>
             </p:cNvPr>
@@ -10275,7 +11209,7 @@
             <p:cNvPr id="43" name="Flowchart: Process 42">
               <a:extLst>
                 <a:ext uri="{FF2B5EF4-FFF2-40B4-BE49-F238E27FC236}">
-                  <a16:creationId xmlns:a16="http://schemas.microsoft.com/office/drawing/2014/main" xmlns="" id="{5EB8B1EA-A926-412D-A29F-23FEF00FB16A}"/>
+                  <a16:creationId xmlns="" xmlns:a16="http://schemas.microsoft.com/office/drawing/2014/main" id="{5EB8B1EA-A926-412D-A29F-23FEF00FB16A}"/>
                 </a:ext>
               </a:extLst>
             </p:cNvPr>
@@ -10325,7 +11259,7 @@
           <p:cNvPr id="45" name="Flowchart: Process 44">
             <a:extLst>
               <a:ext uri="{FF2B5EF4-FFF2-40B4-BE49-F238E27FC236}">
-                <a16:creationId xmlns:a16="http://schemas.microsoft.com/office/drawing/2014/main" xmlns="" id="{B13DB40F-1D2D-4E9B-BA58-D2D9A5D267C5}"/>
+                <a16:creationId xmlns="" xmlns:a16="http://schemas.microsoft.com/office/drawing/2014/main" id="{B13DB40F-1D2D-4E9B-BA58-D2D9A5D267C5}"/>
               </a:ext>
             </a:extLst>
           </p:cNvPr>
@@ -10377,7 +11311,7 @@
           <p:cNvPr id="46" name="Flowchart: Process 45">
             <a:extLst>
               <a:ext uri="{FF2B5EF4-FFF2-40B4-BE49-F238E27FC236}">
-                <a16:creationId xmlns:a16="http://schemas.microsoft.com/office/drawing/2014/main" xmlns="" id="{B9AA0B1C-EFA2-4577-8C94-985188BAF966}"/>
+                <a16:creationId xmlns="" xmlns:a16="http://schemas.microsoft.com/office/drawing/2014/main" id="{B9AA0B1C-EFA2-4577-8C94-985188BAF966}"/>
               </a:ext>
             </a:extLst>
           </p:cNvPr>
@@ -10426,7 +11360,7 @@
           <p:cNvPr id="47" name="Flowchart: Process 46">
             <a:extLst>
               <a:ext uri="{FF2B5EF4-FFF2-40B4-BE49-F238E27FC236}">
-                <a16:creationId xmlns:a16="http://schemas.microsoft.com/office/drawing/2014/main" xmlns="" id="{F0D9F32B-62E2-4873-882F-205E8DDE1AB8}"/>
+                <a16:creationId xmlns="" xmlns:a16="http://schemas.microsoft.com/office/drawing/2014/main" id="{F0D9F32B-62E2-4873-882F-205E8DDE1AB8}"/>
               </a:ext>
             </a:extLst>
           </p:cNvPr>
@@ -10478,7 +11412,7 @@
           <p:cNvPr id="48" name="Flowchart: Process 47">
             <a:extLst>
               <a:ext uri="{FF2B5EF4-FFF2-40B4-BE49-F238E27FC236}">
-                <a16:creationId xmlns:a16="http://schemas.microsoft.com/office/drawing/2014/main" xmlns="" id="{EF949833-AA63-4981-9140-654333C446AA}"/>
+                <a16:creationId xmlns="" xmlns:a16="http://schemas.microsoft.com/office/drawing/2014/main" id="{EF949833-AA63-4981-9140-654333C446AA}"/>
               </a:ext>
             </a:extLst>
           </p:cNvPr>
@@ -10527,7 +11461,7 @@
           <p:cNvPr id="54" name="Straight Arrow Connector 53">
             <a:extLst>
               <a:ext uri="{FF2B5EF4-FFF2-40B4-BE49-F238E27FC236}">
-                <a16:creationId xmlns:a16="http://schemas.microsoft.com/office/drawing/2014/main" xmlns="" id="{2F52AF90-AC59-46E6-AF57-1E4F902CE4E6}"/>
+                <a16:creationId xmlns="" xmlns:a16="http://schemas.microsoft.com/office/drawing/2014/main" id="{2F52AF90-AC59-46E6-AF57-1E4F902CE4E6}"/>
               </a:ext>
             </a:extLst>
           </p:cNvPr>
@@ -10567,7 +11501,7 @@
           <p:cNvPr id="56" name="Connector: Elbow 55">
             <a:extLst>
               <a:ext uri="{FF2B5EF4-FFF2-40B4-BE49-F238E27FC236}">
-                <a16:creationId xmlns:a16="http://schemas.microsoft.com/office/drawing/2014/main" xmlns="" id="{7C5BD8B3-F327-471E-80DA-B7D14706A3AD}"/>
+                <a16:creationId xmlns="" xmlns:a16="http://schemas.microsoft.com/office/drawing/2014/main" id="{7C5BD8B3-F327-471E-80DA-B7D14706A3AD}"/>
               </a:ext>
             </a:extLst>
           </p:cNvPr>
@@ -10612,7 +11546,7 @@
           <p:cNvPr id="61" name="Connector: Elbow 60">
             <a:extLst>
               <a:ext uri="{FF2B5EF4-FFF2-40B4-BE49-F238E27FC236}">
-                <a16:creationId xmlns:a16="http://schemas.microsoft.com/office/drawing/2014/main" xmlns="" id="{BC048491-94E0-4CBF-9F3B-DD604E457525}"/>
+                <a16:creationId xmlns="" xmlns:a16="http://schemas.microsoft.com/office/drawing/2014/main" id="{BC048491-94E0-4CBF-9F3B-DD604E457525}"/>
               </a:ext>
             </a:extLst>
           </p:cNvPr>
@@ -10655,7 +11589,7 @@
           <p:cNvPr id="63" name="Connector: Elbow 62">
             <a:extLst>
               <a:ext uri="{FF2B5EF4-FFF2-40B4-BE49-F238E27FC236}">
-                <a16:creationId xmlns:a16="http://schemas.microsoft.com/office/drawing/2014/main" xmlns="" id="{38D242D2-E4C1-4199-AF18-FDB02F62D1F6}"/>
+                <a16:creationId xmlns="" xmlns:a16="http://schemas.microsoft.com/office/drawing/2014/main" id="{38D242D2-E4C1-4199-AF18-FDB02F62D1F6}"/>
               </a:ext>
             </a:extLst>
           </p:cNvPr>
@@ -10698,7 +11632,7 @@
           <p:cNvPr id="72" name="Straight Arrow Connector 71">
             <a:extLst>
               <a:ext uri="{FF2B5EF4-FFF2-40B4-BE49-F238E27FC236}">
-                <a16:creationId xmlns:a16="http://schemas.microsoft.com/office/drawing/2014/main" xmlns="" id="{6A2002F4-31CD-4158-B085-2E5D7A273BBA}"/>
+                <a16:creationId xmlns="" xmlns:a16="http://schemas.microsoft.com/office/drawing/2014/main" id="{6A2002F4-31CD-4158-B085-2E5D7A273BBA}"/>
               </a:ext>
             </a:extLst>
           </p:cNvPr>
@@ -10740,7 +11674,7 @@
           <p:cNvPr id="73" name="Straight Arrow Connector 72">
             <a:extLst>
               <a:ext uri="{FF2B5EF4-FFF2-40B4-BE49-F238E27FC236}">
-                <a16:creationId xmlns:a16="http://schemas.microsoft.com/office/drawing/2014/main" xmlns="" id="{A6994B7F-C019-440F-A70C-99216023A4D7}"/>
+                <a16:creationId xmlns="" xmlns:a16="http://schemas.microsoft.com/office/drawing/2014/main" id="{A6994B7F-C019-440F-A70C-99216023A4D7}"/>
               </a:ext>
             </a:extLst>
           </p:cNvPr>
@@ -10782,7 +11716,7 @@
           <p:cNvPr id="74" name="Straight Arrow Connector 73">
             <a:extLst>
               <a:ext uri="{FF2B5EF4-FFF2-40B4-BE49-F238E27FC236}">
-                <a16:creationId xmlns:a16="http://schemas.microsoft.com/office/drawing/2014/main" xmlns="" id="{36414CBE-096F-40FE-9FE4-3A41E6C76FAF}"/>
+                <a16:creationId xmlns="" xmlns:a16="http://schemas.microsoft.com/office/drawing/2014/main" id="{36414CBE-096F-40FE-9FE4-3A41E6C76FAF}"/>
               </a:ext>
             </a:extLst>
           </p:cNvPr>
@@ -10822,7 +11756,7 @@
           <p:cNvPr id="75" name="Straight Arrow Connector 74">
             <a:extLst>
               <a:ext uri="{FF2B5EF4-FFF2-40B4-BE49-F238E27FC236}">
-                <a16:creationId xmlns:a16="http://schemas.microsoft.com/office/drawing/2014/main" xmlns="" id="{C8EB4A16-C4F3-43EC-8ED0-27C0FB28E098}"/>
+                <a16:creationId xmlns="" xmlns:a16="http://schemas.microsoft.com/office/drawing/2014/main" id="{C8EB4A16-C4F3-43EC-8ED0-27C0FB28E098}"/>
               </a:ext>
             </a:extLst>
           </p:cNvPr>
@@ -11191,7 +12125,7 @@
   <a:extraClrSchemeLst/>
   <a:extLst>
     <a:ext uri="{05A4C25C-085E-4340-85A3-A5531E510DB2}">
-      <thm15:themeFamily xmlns:thm15="http://schemas.microsoft.com/office/thememl/2012/main" xmlns="" name="Office Theme" id="{62F939B6-93AF-4DB8-9C6B-D6C7DFDC589F}" vid="{4A3C46E8-61CC-4603-A589-7422A47A8E4A}"/>
+      <thm15:themeFamily xmlns="" xmlns:thm15="http://schemas.microsoft.com/office/thememl/2012/main" name="Office Theme" id="{62F939B6-93AF-4DB8-9C6B-D6C7DFDC589F}" vid="{4A3C46E8-61CC-4603-A589-7422A47A8E4A}"/>
     </a:ext>
   </a:extLst>
 </a:theme>
